--- a/PPT/chapter18.pptx
+++ b/PPT/chapter18.pptx
@@ -2,7 +2,7 @@
 <file path=ppt/presentation.xml><?xml version="1.0" encoding="utf-8"?>
 <p:presentation xmlns:a="http://schemas.openxmlformats.org/drawingml/2006/main" xmlns:r="http://schemas.openxmlformats.org/officeDocument/2006/relationships" xmlns:p="http://schemas.openxmlformats.org/presentationml/2006/main" saveSubsetFonts="1">
   <p:sldMasterIdLst>
-    <p:sldMasterId id="2147483648" r:id="rId1"/>
+    <p:sldMasterId id="2147483675" r:id="rId1"/>
   </p:sldMasterIdLst>
   <p:notesMasterIdLst>
     <p:notesMasterId r:id="rId27"/>
@@ -11,7 +11,7 @@
     <p:handoutMasterId r:id="rId28"/>
   </p:handoutMasterIdLst>
   <p:sldIdLst>
-    <p:sldId id="260" r:id="rId2"/>
+    <p:sldId id="368" r:id="rId2"/>
     <p:sldId id="367" r:id="rId3"/>
     <p:sldId id="257" r:id="rId4"/>
     <p:sldId id="377" r:id="rId5"/>
@@ -1215,14 +1215,14 @@
           <pc:chgData name="Scruel Tao" userId="5ea5c98d59b44d4b" providerId="LiveId" clId="{2BA6F94F-59B6-4AA6-9DB6-4A8227DBE37E}" dt="2023-04-03T03:34:53.033" v="335" actId="1076"/>
           <pc:sldLayoutMkLst>
             <pc:docMk/>
-            <pc:sldMasterMk cId="1766057859" sldId="2147483648"/>
+            <pc:sldMasterMk cId="1873920957" sldId="2147483661"/>
             <pc:sldLayoutMk cId="1337634028" sldId="2147483660"/>
           </pc:sldLayoutMkLst>
           <pc:spChg chg="del mod">
             <ac:chgData name="Scruel Tao" userId="5ea5c98d59b44d4b" providerId="LiveId" clId="{2BA6F94F-59B6-4AA6-9DB6-4A8227DBE37E}" dt="2023-04-03T03:27:47.594" v="278" actId="478"/>
             <ac:spMkLst>
               <pc:docMk/>
-              <pc:sldMasterMk cId="1766057859" sldId="2147483648"/>
+              <pc:sldMasterMk cId="1873920957" sldId="2147483661"/>
               <pc:sldLayoutMk cId="1337634028" sldId="2147483660"/>
               <ac:spMk id="19468" creationId="{418CE5A5-515B-CEAB-D160-CBAFEBF4837F}"/>
             </ac:spMkLst>
@@ -1231,7 +1231,7 @@
             <ac:chgData name="Scruel Tao" userId="5ea5c98d59b44d4b" providerId="LiveId" clId="{2BA6F94F-59B6-4AA6-9DB6-4A8227DBE37E}" dt="2023-04-03T03:26:11.336" v="269" actId="21"/>
             <ac:picMkLst>
               <pc:docMk/>
-              <pc:sldMasterMk cId="1766057859" sldId="2147483648"/>
+              <pc:sldMasterMk cId="1873920957" sldId="2147483661"/>
               <pc:sldLayoutMk cId="1337634028" sldId="2147483660"/>
               <ac:picMk id="19481" creationId="{02568321-E4E6-1B3D-8017-A3451A7203B9}"/>
             </ac:picMkLst>
@@ -1240,13 +1240,72 @@
             <ac:chgData name="Scruel Tao" userId="5ea5c98d59b44d4b" providerId="LiveId" clId="{2BA6F94F-59B6-4AA6-9DB6-4A8227DBE37E}" dt="2023-04-03T03:34:53.033" v="335" actId="1076"/>
             <ac:picMkLst>
               <pc:docMk/>
-              <pc:sldMasterMk cId="1766057859" sldId="2147483648"/>
+              <pc:sldMasterMk cId="1873920957" sldId="2147483661"/>
               <pc:sldLayoutMk cId="1337634028" sldId="2147483660"/>
               <ac:picMk id="19482" creationId="{8F2B9C9A-7CA4-5723-784E-DBADCF09186B}"/>
             </ac:picMkLst>
           </pc:picChg>
         </pc:sldLayoutChg>
       </pc:sldMasterChg>
+    </pc:docChg>
+  </pc:docChgLst>
+  <pc:docChgLst>
+    <pc:chgData name="Scruel Tao" userId="5ea5c98d59b44d4b" providerId="LiveId" clId="{88D73D01-CABB-4B2D-80EC-648726E3C219}"/>
+    <pc:docChg chg="addSld delSld modSld">
+      <pc:chgData name="Scruel Tao" userId="5ea5c98d59b44d4b" providerId="LiveId" clId="{88D73D01-CABB-4B2D-80EC-648726E3C219}" dt="2023-04-26T02:43:35.768" v="17" actId="20577"/>
+      <pc:docMkLst>
+        <pc:docMk/>
+      </pc:docMkLst>
+      <pc:sldChg chg="modSp add del mod">
+        <pc:chgData name="Scruel Tao" userId="5ea5c98d59b44d4b" providerId="LiveId" clId="{88D73D01-CABB-4B2D-80EC-648726E3C219}" dt="2023-04-26T02:43:35.768" v="17" actId="20577"/>
+        <pc:sldMkLst>
+          <pc:docMk/>
+          <pc:sldMk cId="1112998187" sldId="257"/>
+        </pc:sldMkLst>
+        <pc:spChg chg="mod">
+          <ac:chgData name="Scruel Tao" userId="5ea5c98d59b44d4b" providerId="LiveId" clId="{88D73D01-CABB-4B2D-80EC-648726E3C219}" dt="2023-04-26T02:43:35.768" v="17" actId="20577"/>
+          <ac:spMkLst>
+            <pc:docMk/>
+            <pc:sldMk cId="1112998187" sldId="257"/>
+            <ac:spMk id="2" creationId="{1422DFF6-0952-1023-64E3-97184D36BE3F}"/>
+          </ac:spMkLst>
+        </pc:spChg>
+      </pc:sldChg>
+      <pc:sldChg chg="del">
+        <pc:chgData name="Scruel Tao" userId="5ea5c98d59b44d4b" providerId="LiveId" clId="{88D73D01-CABB-4B2D-80EC-648726E3C219}" dt="2023-04-26T02:43:28.228" v="0" actId="47"/>
+        <pc:sldMkLst>
+          <pc:docMk/>
+          <pc:sldMk cId="1199684676" sldId="259"/>
+        </pc:sldMkLst>
+      </pc:sldChg>
+      <pc:sldChg chg="del">
+        <pc:chgData name="Scruel Tao" userId="5ea5c98d59b44d4b" providerId="LiveId" clId="{88D73D01-CABB-4B2D-80EC-648726E3C219}" dt="2023-04-26T02:43:28.228" v="0" actId="47"/>
+        <pc:sldMkLst>
+          <pc:docMk/>
+          <pc:sldMk cId="1751565490" sldId="276"/>
+        </pc:sldMkLst>
+      </pc:sldChg>
+      <pc:sldChg chg="add">
+        <pc:chgData name="Scruel Tao" userId="5ea5c98d59b44d4b" providerId="LiveId" clId="{88D73D01-CABB-4B2D-80EC-648726E3C219}" dt="2023-04-26T02:43:28.794" v="1"/>
+        <pc:sldMkLst>
+          <pc:docMk/>
+          <pc:sldMk cId="3519437269" sldId="279"/>
+        </pc:sldMkLst>
+      </pc:sldChg>
+      <pc:sldChg chg="add">
+        <pc:chgData name="Scruel Tao" userId="5ea5c98d59b44d4b" providerId="LiveId" clId="{88D73D01-CABB-4B2D-80EC-648726E3C219}" dt="2023-04-26T02:43:28.794" v="1"/>
+        <pc:sldMkLst>
+          <pc:docMk/>
+          <pc:sldMk cId="3745708182" sldId="280"/>
+        </pc:sldMkLst>
+      </pc:sldChg>
+      <pc:sldChg chg="add">
+        <pc:chgData name="Scruel Tao" userId="5ea5c98d59b44d4b" providerId="LiveId" clId="{88D73D01-CABB-4B2D-80EC-648726E3C219}" dt="2023-04-26T02:43:28.794" v="1"/>
+        <pc:sldMkLst>
+          <pc:docMk/>
+          <pc:sldMk cId="364430658" sldId="282"/>
+        </pc:sldMkLst>
+      </pc:sldChg>
     </pc:docChg>
   </pc:docChgLst>
   <pc:docChgLst>
@@ -1437,65 +1496,6 @@
     </pc:docChg>
   </pc:docChgLst>
   <pc:docChgLst>
-    <pc:chgData name="Scruel Tao" userId="5ea5c98d59b44d4b" providerId="LiveId" clId="{88D73D01-CABB-4B2D-80EC-648726E3C219}"/>
-    <pc:docChg chg="addSld delSld modSld">
-      <pc:chgData name="Scruel Tao" userId="5ea5c98d59b44d4b" providerId="LiveId" clId="{88D73D01-CABB-4B2D-80EC-648726E3C219}" dt="2023-04-26T02:43:35.768" v="17" actId="20577"/>
-      <pc:docMkLst>
-        <pc:docMk/>
-      </pc:docMkLst>
-      <pc:sldChg chg="modSp add del mod">
-        <pc:chgData name="Scruel Tao" userId="5ea5c98d59b44d4b" providerId="LiveId" clId="{88D73D01-CABB-4B2D-80EC-648726E3C219}" dt="2023-04-26T02:43:35.768" v="17" actId="20577"/>
-        <pc:sldMkLst>
-          <pc:docMk/>
-          <pc:sldMk cId="1112998187" sldId="257"/>
-        </pc:sldMkLst>
-        <pc:spChg chg="mod">
-          <ac:chgData name="Scruel Tao" userId="5ea5c98d59b44d4b" providerId="LiveId" clId="{88D73D01-CABB-4B2D-80EC-648726E3C219}" dt="2023-04-26T02:43:35.768" v="17" actId="20577"/>
-          <ac:spMkLst>
-            <pc:docMk/>
-            <pc:sldMk cId="1112998187" sldId="257"/>
-            <ac:spMk id="2" creationId="{1422DFF6-0952-1023-64E3-97184D36BE3F}"/>
-          </ac:spMkLst>
-        </pc:spChg>
-      </pc:sldChg>
-      <pc:sldChg chg="del">
-        <pc:chgData name="Scruel Tao" userId="5ea5c98d59b44d4b" providerId="LiveId" clId="{88D73D01-CABB-4B2D-80EC-648726E3C219}" dt="2023-04-26T02:43:28.228" v="0" actId="47"/>
-        <pc:sldMkLst>
-          <pc:docMk/>
-          <pc:sldMk cId="1199684676" sldId="259"/>
-        </pc:sldMkLst>
-      </pc:sldChg>
-      <pc:sldChg chg="del">
-        <pc:chgData name="Scruel Tao" userId="5ea5c98d59b44d4b" providerId="LiveId" clId="{88D73D01-CABB-4B2D-80EC-648726E3C219}" dt="2023-04-26T02:43:28.228" v="0" actId="47"/>
-        <pc:sldMkLst>
-          <pc:docMk/>
-          <pc:sldMk cId="1751565490" sldId="276"/>
-        </pc:sldMkLst>
-      </pc:sldChg>
-      <pc:sldChg chg="add">
-        <pc:chgData name="Scruel Tao" userId="5ea5c98d59b44d4b" providerId="LiveId" clId="{88D73D01-CABB-4B2D-80EC-648726E3C219}" dt="2023-04-26T02:43:28.794" v="1"/>
-        <pc:sldMkLst>
-          <pc:docMk/>
-          <pc:sldMk cId="3519437269" sldId="279"/>
-        </pc:sldMkLst>
-      </pc:sldChg>
-      <pc:sldChg chg="add">
-        <pc:chgData name="Scruel Tao" userId="5ea5c98d59b44d4b" providerId="LiveId" clId="{88D73D01-CABB-4B2D-80EC-648726E3C219}" dt="2023-04-26T02:43:28.794" v="1"/>
-        <pc:sldMkLst>
-          <pc:docMk/>
-          <pc:sldMk cId="3745708182" sldId="280"/>
-        </pc:sldMkLst>
-      </pc:sldChg>
-      <pc:sldChg chg="add">
-        <pc:chgData name="Scruel Tao" userId="5ea5c98d59b44d4b" providerId="LiveId" clId="{88D73D01-CABB-4B2D-80EC-648726E3C219}" dt="2023-04-26T02:43:28.794" v="1"/>
-        <pc:sldMkLst>
-          <pc:docMk/>
-          <pc:sldMk cId="364430658" sldId="282"/>
-        </pc:sldMkLst>
-      </pc:sldChg>
-    </pc:docChg>
-  </pc:docChgLst>
-  <pc:docChgLst>
     <pc:chgData name="Scruel Tao" userId="5ea5c98d59b44d4b" providerId="LiveId" clId="{637FB2A2-ADDB-49CD-AE01-B748C6762DCF}"/>
     <pc:docChg chg="modSld">
       <pc:chgData name="Scruel Tao" userId="5ea5c98d59b44d4b" providerId="LiveId" clId="{637FB2A2-ADDB-49CD-AE01-B748C6762DCF}" dt="2023-06-02T13:48:12.256" v="0" actId="20577"/>
@@ -1877,14 +1877,14 @@
           <pc:chgData name="Scruel Tao" userId="5ea5c98d59b44d4b" providerId="LiveId" clId="{3A63329D-8768-4B47-AE51-EE9202312907}" dt="2023-05-16T03:58:00.280" v="107" actId="478"/>
           <pc:sldLayoutMkLst>
             <pc:docMk/>
-            <pc:sldMasterMk cId="1766057859" sldId="2147483648"/>
+            <pc:sldMasterMk cId="1873920957" sldId="2147483661"/>
             <pc:sldLayoutMk cId="1337634028" sldId="2147483660"/>
           </pc:sldLayoutMkLst>
           <pc:spChg chg="add del mod">
             <ac:chgData name="Scruel Tao" userId="5ea5c98d59b44d4b" providerId="LiveId" clId="{3A63329D-8768-4B47-AE51-EE9202312907}" dt="2023-05-03T00:10:58.453" v="65"/>
             <ac:spMkLst>
               <pc:docMk/>
-              <pc:sldMasterMk cId="1766057859" sldId="2147483648"/>
+              <pc:sldMasterMk cId="1873920957" sldId="2147483661"/>
               <pc:sldLayoutMk cId="1337634028" sldId="2147483660"/>
               <ac:spMk id="2" creationId="{B4422897-AD9C-EFC7-F238-430477041A1A}"/>
             </ac:spMkLst>
@@ -1893,7 +1893,7 @@
             <ac:chgData name="Scruel Tao" userId="5ea5c98d59b44d4b" providerId="LiveId" clId="{3A63329D-8768-4B47-AE51-EE9202312907}" dt="2023-05-16T03:58:00.280" v="107" actId="478"/>
             <ac:spMkLst>
               <pc:docMk/>
-              <pc:sldMasterMk cId="1766057859" sldId="2147483648"/>
+              <pc:sldMasterMk cId="1873920957" sldId="2147483661"/>
               <pc:sldLayoutMk cId="1337634028" sldId="2147483660"/>
               <ac:spMk id="19472" creationId="{BD0BF484-93B1-9A87-952A-7D5E9B29C38D}"/>
             </ac:spMkLst>
@@ -2893,14 +2893,14 @@
           <pc:chgData name="Scruel Tao" userId="5ea5c98d59b44d4b" providerId="LiveId" clId="{42F73B06-DA81-4C67-8473-07E158E9C79B}" dt="2023-04-25T02:47:33.665" v="42" actId="21"/>
           <pc:sldLayoutMkLst>
             <pc:docMk/>
-            <pc:sldMasterMk cId="1766057859" sldId="2147483648"/>
+            <pc:sldMasterMk cId="1873920957" sldId="2147483661"/>
             <pc:sldLayoutMk cId="1337634028" sldId="2147483660"/>
           </pc:sldLayoutMkLst>
           <pc:picChg chg="del">
             <ac:chgData name="Scruel Tao" userId="5ea5c98d59b44d4b" providerId="LiveId" clId="{42F73B06-DA81-4C67-8473-07E158E9C79B}" dt="2023-04-25T02:47:33.665" v="42" actId="21"/>
             <ac:picMkLst>
               <pc:docMk/>
-              <pc:sldMasterMk cId="1766057859" sldId="2147483648"/>
+              <pc:sldMasterMk cId="1873920957" sldId="2147483661"/>
               <pc:sldLayoutMk cId="1337634028" sldId="2147483660"/>
               <ac:picMk id="19482" creationId="{8F2B9C9A-7CA4-5723-784E-DBADCF09186B}"/>
             </ac:picMkLst>
@@ -6436,13 +6436,25 @@
     </p:spTree>
     <p:extLst>
       <p:ext uri="{BB962C8B-B14F-4D97-AF65-F5344CB8AC3E}">
-        <p14:creationId xmlns:p14="http://schemas.microsoft.com/office/powerpoint/2010/main" val="2187492797"/>
+        <p14:creationId xmlns:p14="http://schemas.microsoft.com/office/powerpoint/2010/main" val="2460247213"/>
       </p:ext>
     </p:extLst>
   </p:cSld>
   <p:clrMapOvr>
     <a:masterClrMapping/>
   </p:clrMapOvr>
+  <mc:AlternateContent xmlns:mc="http://schemas.openxmlformats.org/markup-compatibility/2006" xmlns:p14="http://schemas.microsoft.com/office/powerpoint/2010/main">
+    <mc:Choice Requires="p14">
+      <p:transition spd="med" p14:dur="700">
+        <p:fade/>
+      </p:transition>
+    </mc:Choice>
+    <mc:Fallback xmlns="">
+      <p:transition spd="med">
+        <p:fade/>
+      </p:transition>
+    </mc:Fallback>
+  </mc:AlternateContent>
 </p:sldLayout>
 </file>
 
@@ -6634,13 +6646,25 @@
     </p:spTree>
     <p:extLst>
       <p:ext uri="{BB962C8B-B14F-4D97-AF65-F5344CB8AC3E}">
-        <p14:creationId xmlns:p14="http://schemas.microsoft.com/office/powerpoint/2010/main" val="3533658407"/>
+        <p14:creationId xmlns:p14="http://schemas.microsoft.com/office/powerpoint/2010/main" val="952250380"/>
       </p:ext>
     </p:extLst>
   </p:cSld>
   <p:clrMapOvr>
     <a:masterClrMapping/>
   </p:clrMapOvr>
+  <mc:AlternateContent xmlns:mc="http://schemas.openxmlformats.org/markup-compatibility/2006" xmlns:p14="http://schemas.microsoft.com/office/powerpoint/2010/main">
+    <mc:Choice Requires="p14">
+      <p:transition spd="med" p14:dur="700">
+        <p:fade/>
+      </p:transition>
+    </mc:Choice>
+    <mc:Fallback xmlns="">
+      <p:transition spd="med">
+        <p:fade/>
+      </p:transition>
+    </mc:Fallback>
+  </mc:AlternateContent>
 </p:sldLayout>
 </file>
 
@@ -6842,18 +6866,30 @@
     </p:spTree>
     <p:extLst>
       <p:ext uri="{BB962C8B-B14F-4D97-AF65-F5344CB8AC3E}">
-        <p14:creationId xmlns:p14="http://schemas.microsoft.com/office/powerpoint/2010/main" val="1976972956"/>
+        <p14:creationId xmlns:p14="http://schemas.microsoft.com/office/powerpoint/2010/main" val="1262992303"/>
       </p:ext>
     </p:extLst>
   </p:cSld>
   <p:clrMapOvr>
     <a:masterClrMapping/>
   </p:clrMapOvr>
+  <mc:AlternateContent xmlns:mc="http://schemas.openxmlformats.org/markup-compatibility/2006" xmlns:p14="http://schemas.microsoft.com/office/powerpoint/2010/main">
+    <mc:Choice Requires="p14">
+      <p:transition spd="med" p14:dur="700">
+        <p:fade/>
+      </p:transition>
+    </mc:Choice>
+    <mc:Fallback xmlns="">
+      <p:transition spd="med">
+        <p:fade/>
+      </p:transition>
+    </mc:Fallback>
+  </mc:AlternateContent>
 </p:sldLayout>
 </file>
 
 <file path=ppt/slideLayouts/slideLayout12.xml><?xml version="1.0" encoding="utf-8"?>
-<p:sldLayout xmlns:a="http://schemas.openxmlformats.org/drawingml/2006/main" xmlns:r="http://schemas.openxmlformats.org/officeDocument/2006/relationships" xmlns:p="http://schemas.openxmlformats.org/presentationml/2006/main" showMasterSp="0" userDrawn="1">
+<p:sldLayout xmlns:a="http://schemas.openxmlformats.org/drawingml/2006/main" xmlns:r="http://schemas.openxmlformats.org/officeDocument/2006/relationships" xmlns:p="http://schemas.openxmlformats.org/presentationml/2006/main" showMasterSp="0" preserve="1" userDrawn="1">
   <p:cSld name="1_标题幻灯片">
     <p:spTree>
       <p:nvGrpSpPr>
@@ -7062,14 +7098,257 @@
     </p:spTree>
     <p:extLst>
       <p:ext uri="{BB962C8B-B14F-4D97-AF65-F5344CB8AC3E}">
-        <p14:creationId xmlns:p14="http://schemas.microsoft.com/office/powerpoint/2010/main" val="1337634028"/>
+        <p14:creationId xmlns:p14="http://schemas.microsoft.com/office/powerpoint/2010/main" val="562178032"/>
       </p:ext>
     </p:extLst>
   </p:cSld>
   <p:clrMapOvr>
     <a:masterClrMapping/>
   </p:clrMapOvr>
-  <p:transition spd="med"/>
+  <mc:AlternateContent xmlns:mc="http://schemas.openxmlformats.org/markup-compatibility/2006" xmlns:p14="http://schemas.microsoft.com/office/powerpoint/2010/main">
+    <mc:Choice Requires="p14">
+      <p:transition spd="med" p14:dur="700">
+        <p:fade/>
+      </p:transition>
+    </mc:Choice>
+    <mc:Fallback xmlns="">
+      <p:transition spd="med">
+        <p:fade/>
+      </p:transition>
+    </mc:Fallback>
+  </mc:AlternateContent>
+</p:sldLayout>
+</file>
+
+<file path=ppt/slideLayouts/slideLayout13.xml><?xml version="1.0" encoding="utf-8"?>
+<p:sldLayout xmlns:a="http://schemas.openxmlformats.org/drawingml/2006/main" xmlns:r="http://schemas.openxmlformats.org/officeDocument/2006/relationships" xmlns:p="http://schemas.openxmlformats.org/presentationml/2006/main" showMasterSp="0" preserve="1" userDrawn="1">
+  <p:cSld name="2_标题幻灯片">
+    <p:spTree>
+      <p:nvGrpSpPr>
+        <p:cNvPr id="1" name=""/>
+        <p:cNvGrpSpPr/>
+        <p:nvPr/>
+      </p:nvGrpSpPr>
+      <p:grpSpPr>
+        <a:xfrm>
+          <a:off x="0" y="0"/>
+          <a:ext cx="0" cy="0"/>
+          <a:chOff x="0" y="0"/>
+          <a:chExt cx="0" cy="0"/>
+        </a:xfrm>
+      </p:grpSpPr>
+      <p:sp>
+        <p:nvSpPr>
+          <p:cNvPr id="19483" name="Rectangle 27">
+            <a:extLst>
+              <a:ext uri="{FF2B5EF4-FFF2-40B4-BE49-F238E27FC236}">
+                <a16:creationId xmlns:a16="http://schemas.microsoft.com/office/drawing/2014/main" id="{FFE563FA-4880-391C-43FD-EF34392B9FBB}"/>
+              </a:ext>
+            </a:extLst>
+          </p:cNvPr>
+          <p:cNvSpPr>
+            <a:spLocks noChangeArrowheads="1"/>
+          </p:cNvSpPr>
+          <p:nvPr userDrawn="1"/>
+        </p:nvSpPr>
+        <p:spPr bwMode="auto">
+          <a:xfrm>
+            <a:off x="2641600" y="4191000"/>
+            <a:ext cx="7416800" cy="2209800"/>
+          </a:xfrm>
+          <a:prstGeom prst="rect">
+            <a:avLst/>
+          </a:prstGeom>
+          <a:noFill/>
+          <a:ln>
+            <a:noFill/>
+          </a:ln>
+          <a:effectLst/>
+          <a:extLst>
+            <a:ext uri="{909E8E84-426E-40DD-AFC4-6F175D3DCCD1}">
+              <a14:hiddenFill xmlns:a14="http://schemas.microsoft.com/office/drawing/2010/main">
+                <a:solidFill>
+                  <a:schemeClr val="accent1"/>
+                </a:solidFill>
+              </a14:hiddenFill>
+            </a:ext>
+            <a:ext uri="{91240B29-F687-4F45-9708-019B960494DF}">
+              <a14:hiddenLine xmlns:a14="http://schemas.microsoft.com/office/drawing/2010/main" w="9525">
+                <a:solidFill>
+                  <a:schemeClr val="tx1"/>
+                </a:solidFill>
+                <a:miter lim="800000"/>
+                <a:headEnd/>
+                <a:tailEnd/>
+              </a14:hiddenLine>
+            </a:ext>
+            <a:ext uri="{AF507438-7753-43E0-B8FC-AC1667EBCBE1}">
+              <a14:hiddenEffects xmlns:a14="http://schemas.microsoft.com/office/drawing/2010/main">
+                <a:effectLst>
+                  <a:outerShdw dist="35921" dir="2700000" algn="ctr" rotWithShape="0">
+                    <a:schemeClr val="bg2"/>
+                  </a:outerShdw>
+                </a:effectLst>
+              </a14:hiddenEffects>
+            </a:ext>
+          </a:extLst>
+        </p:spPr>
+        <p:txBody>
+          <a:bodyPr/>
+          <a:lstStyle>
+            <a:lvl1pPr marL="287338" indent="-287338" eaLnBrk="0" hangingPunct="0">
+              <a:spcBef>
+                <a:spcPct val="0"/>
+              </a:spcBef>
+              <a:defRPr kumimoji="1" sz="2400">
+                <a:solidFill>
+                  <a:schemeClr val="tx1"/>
+                </a:solidFill>
+                <a:latin typeface="Times New Roman" panose="02020603050405020304" pitchFamily="18" charset="0"/>
+              </a:defRPr>
+            </a:lvl1pPr>
+            <a:lvl2pPr marL="744538" indent="-287338" eaLnBrk="0" hangingPunct="0">
+              <a:spcBef>
+                <a:spcPct val="0"/>
+              </a:spcBef>
+              <a:defRPr kumimoji="1" sz="2400">
+                <a:solidFill>
+                  <a:schemeClr val="tx1"/>
+                </a:solidFill>
+                <a:latin typeface="Times New Roman" panose="02020603050405020304" pitchFamily="18" charset="0"/>
+              </a:defRPr>
+            </a:lvl2pPr>
+            <a:lvl3pPr eaLnBrk="0" hangingPunct="0">
+              <a:spcBef>
+                <a:spcPct val="0"/>
+              </a:spcBef>
+              <a:defRPr kumimoji="1" sz="2400">
+                <a:solidFill>
+                  <a:schemeClr val="tx1"/>
+                </a:solidFill>
+                <a:latin typeface="Times New Roman" panose="02020603050405020304" pitchFamily="18" charset="0"/>
+              </a:defRPr>
+            </a:lvl3pPr>
+            <a:lvl4pPr eaLnBrk="0" hangingPunct="0">
+              <a:spcBef>
+                <a:spcPct val="0"/>
+              </a:spcBef>
+              <a:defRPr kumimoji="1" sz="2400">
+                <a:solidFill>
+                  <a:schemeClr val="tx1"/>
+                </a:solidFill>
+                <a:latin typeface="Times New Roman" panose="02020603050405020304" pitchFamily="18" charset="0"/>
+              </a:defRPr>
+            </a:lvl4pPr>
+            <a:lvl5pPr eaLnBrk="0" hangingPunct="0">
+              <a:spcBef>
+                <a:spcPct val="0"/>
+              </a:spcBef>
+              <a:defRPr kumimoji="1" sz="2400">
+                <a:solidFill>
+                  <a:schemeClr val="tx1"/>
+                </a:solidFill>
+                <a:latin typeface="Times New Roman" panose="02020603050405020304" pitchFamily="18" charset="0"/>
+              </a:defRPr>
+            </a:lvl5pPr>
+            <a:lvl6pPr eaLnBrk="0" fontAlgn="base" hangingPunct="0">
+              <a:spcBef>
+                <a:spcPct val="0"/>
+              </a:spcBef>
+              <a:spcAft>
+                <a:spcPct val="0"/>
+              </a:spcAft>
+              <a:defRPr kumimoji="1" sz="2400">
+                <a:solidFill>
+                  <a:schemeClr val="tx1"/>
+                </a:solidFill>
+                <a:latin typeface="Times New Roman" panose="02020603050405020304" pitchFamily="18" charset="0"/>
+              </a:defRPr>
+            </a:lvl6pPr>
+            <a:lvl7pPr eaLnBrk="0" fontAlgn="base" hangingPunct="0">
+              <a:spcBef>
+                <a:spcPct val="0"/>
+              </a:spcBef>
+              <a:spcAft>
+                <a:spcPct val="0"/>
+              </a:spcAft>
+              <a:defRPr kumimoji="1" sz="2400">
+                <a:solidFill>
+                  <a:schemeClr val="tx1"/>
+                </a:solidFill>
+                <a:latin typeface="Times New Roman" panose="02020603050405020304" pitchFamily="18" charset="0"/>
+              </a:defRPr>
+            </a:lvl7pPr>
+            <a:lvl8pPr eaLnBrk="0" fontAlgn="base" hangingPunct="0">
+              <a:spcBef>
+                <a:spcPct val="0"/>
+              </a:spcBef>
+              <a:spcAft>
+                <a:spcPct val="0"/>
+              </a:spcAft>
+              <a:defRPr kumimoji="1" sz="2400">
+                <a:solidFill>
+                  <a:schemeClr val="tx1"/>
+                </a:solidFill>
+                <a:latin typeface="Times New Roman" panose="02020603050405020304" pitchFamily="18" charset="0"/>
+              </a:defRPr>
+            </a:lvl8pPr>
+            <a:lvl9pPr eaLnBrk="0" fontAlgn="base" hangingPunct="0">
+              <a:spcBef>
+                <a:spcPct val="0"/>
+              </a:spcBef>
+              <a:spcAft>
+                <a:spcPct val="0"/>
+              </a:spcAft>
+              <a:defRPr kumimoji="1" sz="2400">
+                <a:solidFill>
+                  <a:schemeClr val="tx1"/>
+                </a:solidFill>
+                <a:latin typeface="Times New Roman" panose="02020603050405020304" pitchFamily="18" charset="0"/>
+              </a:defRPr>
+            </a:lvl9pPr>
+          </a:lstStyle>
+          <a:p>
+            <a:pPr eaLnBrk="1" hangingPunct="1">
+              <a:lnSpc>
+                <a:spcPct val="102000"/>
+              </a:lnSpc>
+              <a:spcBef>
+                <a:spcPct val="20000"/>
+              </a:spcBef>
+              <a:buClr>
+                <a:srgbClr val="808080"/>
+              </a:buClr>
+              <a:buSzPct val="60000"/>
+            </a:pPr>
+            <a:endParaRPr kumimoji="0" lang="en-GB" altLang="zh-CN" sz="1600">
+              <a:latin typeface="Verdana" panose="020B0604030504040204" pitchFamily="34" charset="0"/>
+            </a:endParaRPr>
+          </a:p>
+        </p:txBody>
+      </p:sp>
+    </p:spTree>
+    <p:extLst>
+      <p:ext uri="{BB962C8B-B14F-4D97-AF65-F5344CB8AC3E}">
+        <p14:creationId xmlns:p14="http://schemas.microsoft.com/office/powerpoint/2010/main" val="3770467887"/>
+      </p:ext>
+    </p:extLst>
+  </p:cSld>
+  <p:clrMapOvr>
+    <a:masterClrMapping/>
+  </p:clrMapOvr>
+  <mc:AlternateContent xmlns:mc="http://schemas.openxmlformats.org/markup-compatibility/2006" xmlns:p14="http://schemas.microsoft.com/office/powerpoint/2010/main">
+    <mc:Choice Requires="p14">
+      <p:transition spd="med" p14:dur="700">
+        <p:fade/>
+      </p:transition>
+    </mc:Choice>
+    <mc:Fallback xmlns="">
+      <p:transition spd="med">
+        <p:fade/>
+      </p:transition>
+    </mc:Fallback>
+  </mc:AlternateContent>
 </p:sldLayout>
 </file>
 
@@ -7318,7 +7597,7 @@
           <p:cNvPr id="8" name="矩形 7">
             <a:extLst>
               <a:ext uri="{FF2B5EF4-FFF2-40B4-BE49-F238E27FC236}">
-                <a16:creationId xmlns:a16="http://schemas.microsoft.com/office/drawing/2014/main" id="{11B72C9A-2FD4-A965-AECF-CD05ECBD5914}"/>
+                <a16:creationId xmlns:a16="http://schemas.microsoft.com/office/drawing/2014/main" id="{F52872EC-81BB-5622-062D-1B604B1CF283}"/>
               </a:ext>
             </a:extLst>
           </p:cNvPr>
@@ -7365,13 +7644,25 @@
     </p:spTree>
     <p:extLst>
       <p:ext uri="{BB962C8B-B14F-4D97-AF65-F5344CB8AC3E}">
-        <p14:creationId xmlns:p14="http://schemas.microsoft.com/office/powerpoint/2010/main" val="2116765151"/>
+        <p14:creationId xmlns:p14="http://schemas.microsoft.com/office/powerpoint/2010/main" val="1835729429"/>
       </p:ext>
     </p:extLst>
   </p:cSld>
   <p:clrMapOvr>
     <a:masterClrMapping/>
   </p:clrMapOvr>
+  <mc:AlternateContent xmlns:mc="http://schemas.openxmlformats.org/markup-compatibility/2006" xmlns:p14="http://schemas.microsoft.com/office/powerpoint/2010/main">
+    <mc:Choice Requires="p14">
+      <p:transition spd="med" p14:dur="700">
+        <p:fade/>
+      </p:transition>
+    </mc:Choice>
+    <mc:Fallback xmlns="">
+      <p:transition spd="med">
+        <p:fade/>
+      </p:transition>
+    </mc:Fallback>
+  </mc:AlternateContent>
 </p:sldLayout>
 </file>
 
@@ -7640,13 +7931,25 @@
     </p:spTree>
     <p:extLst>
       <p:ext uri="{BB962C8B-B14F-4D97-AF65-F5344CB8AC3E}">
-        <p14:creationId xmlns:p14="http://schemas.microsoft.com/office/powerpoint/2010/main" val="3876442843"/>
+        <p14:creationId xmlns:p14="http://schemas.microsoft.com/office/powerpoint/2010/main" val="1985760872"/>
       </p:ext>
     </p:extLst>
   </p:cSld>
   <p:clrMapOvr>
     <a:masterClrMapping/>
   </p:clrMapOvr>
+  <mc:AlternateContent xmlns:mc="http://schemas.openxmlformats.org/markup-compatibility/2006" xmlns:p14="http://schemas.microsoft.com/office/powerpoint/2010/main">
+    <mc:Choice Requires="p14">
+      <p:transition spd="med" p14:dur="700">
+        <p:fade/>
+      </p:transition>
+    </mc:Choice>
+    <mc:Fallback xmlns="">
+      <p:transition spd="med">
+        <p:fade/>
+      </p:transition>
+    </mc:Fallback>
+  </mc:AlternateContent>
 </p:sldLayout>
 </file>
 
@@ -7988,7 +8291,7 @@
           <p:cNvPr id="9" name="矩形 8">
             <a:extLst>
               <a:ext uri="{FF2B5EF4-FFF2-40B4-BE49-F238E27FC236}">
-                <a16:creationId xmlns:a16="http://schemas.microsoft.com/office/drawing/2014/main" id="{17010A11-6E7E-7F10-B9F2-D18446AAA954}"/>
+                <a16:creationId xmlns:a16="http://schemas.microsoft.com/office/drawing/2014/main" id="{82EB41EB-0D08-7526-0E4D-92DD20C296DF}"/>
               </a:ext>
             </a:extLst>
           </p:cNvPr>
@@ -8035,13 +8338,25 @@
     </p:spTree>
     <p:extLst>
       <p:ext uri="{BB962C8B-B14F-4D97-AF65-F5344CB8AC3E}">
-        <p14:creationId xmlns:p14="http://schemas.microsoft.com/office/powerpoint/2010/main" val="2296489930"/>
+        <p14:creationId xmlns:p14="http://schemas.microsoft.com/office/powerpoint/2010/main" val="319470298"/>
       </p:ext>
     </p:extLst>
   </p:cSld>
   <p:clrMapOvr>
     <a:masterClrMapping/>
   </p:clrMapOvr>
+  <mc:AlternateContent xmlns:mc="http://schemas.openxmlformats.org/markup-compatibility/2006" xmlns:p14="http://schemas.microsoft.com/office/powerpoint/2010/main">
+    <mc:Choice Requires="p14">
+      <p:transition spd="med" p14:dur="700">
+        <p:fade/>
+      </p:transition>
+    </mc:Choice>
+    <mc:Fallback xmlns="">
+      <p:transition spd="med">
+        <p:fade/>
+      </p:transition>
+    </mc:Fallback>
+  </mc:AlternateContent>
 </p:sldLayout>
 </file>
 
@@ -8447,13 +8762,25 @@
     </p:spTree>
     <p:extLst>
       <p:ext uri="{BB962C8B-B14F-4D97-AF65-F5344CB8AC3E}">
-        <p14:creationId xmlns:p14="http://schemas.microsoft.com/office/powerpoint/2010/main" val="1903742116"/>
+        <p14:creationId xmlns:p14="http://schemas.microsoft.com/office/powerpoint/2010/main" val="2493499146"/>
       </p:ext>
     </p:extLst>
   </p:cSld>
   <p:clrMapOvr>
     <a:masterClrMapping/>
   </p:clrMapOvr>
+  <mc:AlternateContent xmlns:mc="http://schemas.openxmlformats.org/markup-compatibility/2006" xmlns:p14="http://schemas.microsoft.com/office/powerpoint/2010/main">
+    <mc:Choice Requires="p14">
+      <p:transition spd="med" p14:dur="700">
+        <p:fade/>
+      </p:transition>
+    </mc:Choice>
+    <mc:Fallback xmlns="">
+      <p:transition spd="med">
+        <p:fade/>
+      </p:transition>
+    </mc:Fallback>
+  </mc:AlternateContent>
 </p:sldLayout>
 </file>
 
@@ -8588,13 +8915,25 @@
     </p:spTree>
     <p:extLst>
       <p:ext uri="{BB962C8B-B14F-4D97-AF65-F5344CB8AC3E}">
-        <p14:creationId xmlns:p14="http://schemas.microsoft.com/office/powerpoint/2010/main" val="2266343131"/>
+        <p14:creationId xmlns:p14="http://schemas.microsoft.com/office/powerpoint/2010/main" val="2650433250"/>
       </p:ext>
     </p:extLst>
   </p:cSld>
   <p:clrMapOvr>
     <a:masterClrMapping/>
   </p:clrMapOvr>
+  <mc:AlternateContent xmlns:mc="http://schemas.openxmlformats.org/markup-compatibility/2006" xmlns:p14="http://schemas.microsoft.com/office/powerpoint/2010/main">
+    <mc:Choice Requires="p14">
+      <p:transition spd="med" p14:dur="700">
+        <p:fade/>
+      </p:transition>
+    </mc:Choice>
+    <mc:Fallback xmlns="">
+      <p:transition spd="med">
+        <p:fade/>
+      </p:transition>
+    </mc:Fallback>
+  </mc:AlternateContent>
 </p:sldLayout>
 </file>
 
@@ -8701,13 +9040,25 @@
     </p:spTree>
     <p:extLst>
       <p:ext uri="{BB962C8B-B14F-4D97-AF65-F5344CB8AC3E}">
-        <p14:creationId xmlns:p14="http://schemas.microsoft.com/office/powerpoint/2010/main" val="3125871839"/>
+        <p14:creationId xmlns:p14="http://schemas.microsoft.com/office/powerpoint/2010/main" val="1058229950"/>
       </p:ext>
     </p:extLst>
   </p:cSld>
   <p:clrMapOvr>
     <a:masterClrMapping/>
   </p:clrMapOvr>
+  <mc:AlternateContent xmlns:mc="http://schemas.openxmlformats.org/markup-compatibility/2006" xmlns:p14="http://schemas.microsoft.com/office/powerpoint/2010/main">
+    <mc:Choice Requires="p14">
+      <p:transition spd="med" p14:dur="700">
+        <p:fade/>
+      </p:transition>
+    </mc:Choice>
+    <mc:Fallback xmlns="">
+      <p:transition spd="med">
+        <p:fade/>
+      </p:transition>
+    </mc:Fallback>
+  </mc:AlternateContent>
 </p:sldLayout>
 </file>
 
@@ -9012,13 +9363,25 @@
     </p:spTree>
     <p:extLst>
       <p:ext uri="{BB962C8B-B14F-4D97-AF65-F5344CB8AC3E}">
-        <p14:creationId xmlns:p14="http://schemas.microsoft.com/office/powerpoint/2010/main" val="4269120921"/>
+        <p14:creationId xmlns:p14="http://schemas.microsoft.com/office/powerpoint/2010/main" val="2221753795"/>
       </p:ext>
     </p:extLst>
   </p:cSld>
   <p:clrMapOvr>
     <a:masterClrMapping/>
   </p:clrMapOvr>
+  <mc:AlternateContent xmlns:mc="http://schemas.openxmlformats.org/markup-compatibility/2006" xmlns:p14="http://schemas.microsoft.com/office/powerpoint/2010/main">
+    <mc:Choice Requires="p14">
+      <p:transition spd="med" p14:dur="700">
+        <p:fade/>
+      </p:transition>
+    </mc:Choice>
+    <mc:Fallback xmlns="">
+      <p:transition spd="med">
+        <p:fade/>
+      </p:transition>
+    </mc:Fallback>
+  </mc:AlternateContent>
 </p:sldLayout>
 </file>
 
@@ -9300,23 +9663,46 @@
     </p:spTree>
     <p:extLst>
       <p:ext uri="{BB962C8B-B14F-4D97-AF65-F5344CB8AC3E}">
-        <p14:creationId xmlns:p14="http://schemas.microsoft.com/office/powerpoint/2010/main" val="3839517779"/>
+        <p14:creationId xmlns:p14="http://schemas.microsoft.com/office/powerpoint/2010/main" val="3060567800"/>
       </p:ext>
     </p:extLst>
   </p:cSld>
   <p:clrMapOvr>
     <a:masterClrMapping/>
   </p:clrMapOvr>
+  <mc:AlternateContent xmlns:mc="http://schemas.openxmlformats.org/markup-compatibility/2006" xmlns:p14="http://schemas.microsoft.com/office/powerpoint/2010/main">
+    <mc:Choice Requires="p14">
+      <p:transition spd="med" p14:dur="700">
+        <p:fade/>
+      </p:transition>
+    </mc:Choice>
+    <mc:Fallback xmlns="">
+      <p:transition spd="med">
+        <p:fade/>
+      </p:transition>
+    </mc:Fallback>
+  </mc:AlternateContent>
 </p:sldLayout>
 </file>
 
 <file path=ppt/slideMasters/slideMaster1.xml><?xml version="1.0" encoding="utf-8"?>
-<p:sldMaster xmlns:a="http://schemas.openxmlformats.org/drawingml/2006/main" xmlns:r="http://schemas.openxmlformats.org/officeDocument/2006/relationships" xmlns:p="http://schemas.openxmlformats.org/presentationml/2006/main">
+<p:sldMaster xmlns:a="http://schemas.openxmlformats.org/drawingml/2006/main" xmlns:r="http://schemas.openxmlformats.org/officeDocument/2006/relationships" xmlns:p="http://schemas.openxmlformats.org/presentationml/2006/main" preserve="1">
   <p:cSld>
     <p:bg>
-      <p:bgRef idx="1001">
-        <a:schemeClr val="bg1"/>
-      </p:bgRef>
+      <p:bgPr>
+        <a:gradFill>
+          <a:gsLst>
+            <a:gs pos="0">
+              <a:schemeClr val="bg1"/>
+            </a:gs>
+            <a:gs pos="100000">
+              <a:srgbClr val="F0F8FF"/>
+            </a:gs>
+          </a:gsLst>
+          <a:lin ang="5400000" scaled="1"/>
+        </a:gradFill>
+        <a:effectLst/>
+      </p:bgPr>
     </p:bg>
     <p:spTree>
       <p:nvGrpSpPr>
@@ -9574,28 +9960,71 @@
           </a:p>
         </p:txBody>
       </p:sp>
+      <p:pic>
+        <p:nvPicPr>
+          <p:cNvPr id="7" name="图片 6">
+            <a:extLst>
+              <a:ext uri="{FF2B5EF4-FFF2-40B4-BE49-F238E27FC236}">
+                <a16:creationId xmlns:a16="http://schemas.microsoft.com/office/drawing/2014/main" id="{68A54585-7C5F-477D-7B3E-CE77E2F12069}"/>
+              </a:ext>
+            </a:extLst>
+          </p:cNvPr>
+          <p:cNvPicPr/>
+          <p:nvPr userDrawn="1"/>
+        </p:nvPicPr>
+        <p:blipFill>
+          <a:blip r:embed="rId15"/>
+          <a:stretch/>
+        </p:blipFill>
+        <p:spPr>
+          <a:xfrm>
+            <a:off x="11234160" y="5770605"/>
+            <a:ext cx="699060" cy="815726"/>
+          </a:xfrm>
+          <a:prstGeom prst="rect">
+            <a:avLst/>
+          </a:prstGeom>
+          <a:noFill/>
+          <a:ln w="0">
+            <a:noFill/>
+          </a:ln>
+        </p:spPr>
+      </p:pic>
     </p:spTree>
     <p:extLst>
       <p:ext uri="{BB962C8B-B14F-4D97-AF65-F5344CB8AC3E}">
-        <p14:creationId xmlns:p14="http://schemas.microsoft.com/office/powerpoint/2010/main" val="1766057859"/>
+        <p14:creationId xmlns:p14="http://schemas.microsoft.com/office/powerpoint/2010/main" val="213641975"/>
       </p:ext>
     </p:extLst>
   </p:cSld>
   <p:clrMap bg1="lt1" tx1="dk1" bg2="lt2" tx2="dk2" accent1="accent1" accent2="accent2" accent3="accent3" accent4="accent4" accent5="accent5" accent6="accent6" hlink="hlink" folHlink="folHlink"/>
   <p:sldLayoutIdLst>
-    <p:sldLayoutId id="2147483649" r:id="rId1"/>
-    <p:sldLayoutId id="2147483650" r:id="rId2"/>
-    <p:sldLayoutId id="2147483651" r:id="rId3"/>
-    <p:sldLayoutId id="2147483652" r:id="rId4"/>
-    <p:sldLayoutId id="2147483653" r:id="rId5"/>
-    <p:sldLayoutId id="2147483654" r:id="rId6"/>
-    <p:sldLayoutId id="2147483655" r:id="rId7"/>
-    <p:sldLayoutId id="2147483656" r:id="rId8"/>
-    <p:sldLayoutId id="2147483657" r:id="rId9"/>
-    <p:sldLayoutId id="2147483658" r:id="rId10"/>
-    <p:sldLayoutId id="2147483659" r:id="rId11"/>
-    <p:sldLayoutId id="2147483660" r:id="rId12"/>
+    <p:sldLayoutId id="2147483676" r:id="rId1"/>
+    <p:sldLayoutId id="2147483677" r:id="rId2"/>
+    <p:sldLayoutId id="2147483678" r:id="rId3"/>
+    <p:sldLayoutId id="2147483679" r:id="rId4"/>
+    <p:sldLayoutId id="2147483680" r:id="rId5"/>
+    <p:sldLayoutId id="2147483681" r:id="rId6"/>
+    <p:sldLayoutId id="2147483682" r:id="rId7"/>
+    <p:sldLayoutId id="2147483683" r:id="rId8"/>
+    <p:sldLayoutId id="2147483684" r:id="rId9"/>
+    <p:sldLayoutId id="2147483685" r:id="rId10"/>
+    <p:sldLayoutId id="2147483686" r:id="rId11"/>
+    <p:sldLayoutId id="2147483687" r:id="rId12"/>
+    <p:sldLayoutId id="2147483688" r:id="rId13"/>
   </p:sldLayoutIdLst>
+  <mc:AlternateContent xmlns:mc="http://schemas.openxmlformats.org/markup-compatibility/2006" xmlns:p14="http://schemas.microsoft.com/office/powerpoint/2010/main">
+    <mc:Choice Requires="p14">
+      <p:transition spd="med" p14:dur="700">
+        <p:fade/>
+      </p:transition>
+    </mc:Choice>
+    <mc:Fallback xmlns="">
+      <p:transition spd="med">
+        <p:fade/>
+      </p:transition>
+    </mc:Fallback>
+  </mc:AlternateContent>
   <p:txStyles>
     <p:titleStyle>
       <a:lvl1pPr algn="l" defTabSz="914400" rtl="0" eaLnBrk="1" latinLnBrk="0" hangingPunct="1">
@@ -9882,14 +10311,6 @@
 <file path=ppt/slides/slide1.xml><?xml version="1.0" encoding="utf-8"?>
 <p:sld xmlns:a="http://schemas.openxmlformats.org/drawingml/2006/main" xmlns:r="http://schemas.openxmlformats.org/officeDocument/2006/relationships" xmlns:p="http://schemas.openxmlformats.org/presentationml/2006/main">
   <p:cSld>
-    <p:bg>
-      <p:bgPr>
-        <a:solidFill>
-          <a:srgbClr val="FFFAD4"/>
-        </a:solidFill>
-        <a:effectLst/>
-      </p:bgPr>
-    </p:bg>
     <p:spTree>
       <p:nvGrpSpPr>
         <p:cNvPr id="1" name=""/>
@@ -9922,20 +10343,20 @@
         </p:nvSpPr>
         <p:spPr>
           <a:xfrm>
-            <a:off x="-16934" y="3201698"/>
-            <a:ext cx="12208933" cy="1600200"/>
+            <a:off x="-17463" y="3644900"/>
+            <a:ext cx="12209463" cy="1600200"/>
           </a:xfrm>
-          <a:solidFill>
-            <a:srgbClr val="F6E979"/>
-          </a:solidFill>
+          <a:noFill/>
         </p:spPr>
         <p:txBody>
-          <a:bodyPr/>
+          <a:bodyPr>
+            <a:normAutofit/>
+          </a:bodyPr>
           <a:lstStyle/>
           <a:p>
             <a:pPr algn="ctr"/>
             <a:r>
-              <a:rPr lang="en-US" altLang="zh-CN">
+              <a:rPr lang="en-US" altLang="zh-CN" sz="4800" dirty="0">
                 <a:solidFill>
                   <a:schemeClr val="tx1">
                     <a:lumMod val="95000"/>
@@ -9955,7 +10376,7 @@
               <a:t>Python </a:t>
             </a:r>
             <a:r>
-              <a:rPr lang="zh-CN" altLang="en-US">
+              <a:rPr lang="zh-CN" altLang="en-US" sz="4800" dirty="0">
                 <a:solidFill>
                   <a:schemeClr val="tx1">
                     <a:lumMod val="95000"/>
@@ -9972,30 +10393,10 @@
                 <a:latin typeface="华文琥珀" panose="02010800040101010101" pitchFamily="2" charset="-122"/>
                 <a:ea typeface="华文琥珀" panose="02010800040101010101" pitchFamily="2" charset="-122"/>
               </a:rPr>
-              <a:t>编程</a:t>
-            </a:r>
-            <a:r>
-              <a:rPr lang="zh-CN" altLang="en-US" dirty="0">
-                <a:solidFill>
-                  <a:schemeClr val="tx1">
-                    <a:lumMod val="95000"/>
-                    <a:lumOff val="5000"/>
-                  </a:schemeClr>
-                </a:solidFill>
-                <a:effectLst>
-                  <a:outerShdw blurRad="38100" dist="38100" dir="2700000" algn="tl">
-                    <a:srgbClr val="000000">
-                      <a:alpha val="43137"/>
-                    </a:srgbClr>
-                  </a:outerShdw>
-                </a:effectLst>
-                <a:latin typeface="华文琥珀" panose="02010800040101010101" pitchFamily="2" charset="-122"/>
-                <a:ea typeface="华文琥珀" panose="02010800040101010101" pitchFamily="2" charset="-122"/>
-              </a:rPr>
-              <a:t>：从入门到实践</a:t>
+              <a:t>编程：从入门到实践</a:t>
             </a:r>
             <a:br>
-              <a:rPr lang="en-US" altLang="zh-CN" dirty="0">
+              <a:rPr lang="en-US" altLang="zh-CN" sz="4800" dirty="0">
                 <a:solidFill>
                   <a:schemeClr val="tx1">
                     <a:lumMod val="95000"/>
@@ -10014,7 +10415,7 @@
               </a:rPr>
             </a:br>
             <a:r>
-              <a:rPr lang="zh-CN" altLang="en-US" dirty="0">
+              <a:rPr lang="zh-CN" altLang="en-US" sz="4800" dirty="0">
                 <a:solidFill>
                   <a:schemeClr val="tx1">
                     <a:lumMod val="95000"/>
@@ -10033,7 +10434,7 @@
               </a:rPr>
               <a:t>（第三版）</a:t>
             </a:r>
-            <a:endParaRPr lang="en-US" altLang="zh-CN" dirty="0">
+            <a:endParaRPr lang="en-US" altLang="zh-CN" sz="4800" dirty="0">
               <a:solidFill>
                 <a:schemeClr val="tx1">
                   <a:lumMod val="95000"/>
@@ -10069,8 +10470,8 @@
         </p:nvSpPr>
         <p:spPr bwMode="auto">
           <a:xfrm>
-            <a:off x="4559361" y="5491971"/>
-            <a:ext cx="3073277" cy="369332"/>
+            <a:off x="4304483" y="5491971"/>
+            <a:ext cx="3583033" cy="461665"/>
           </a:xfrm>
           <a:prstGeom prst="rect">
             <a:avLst/>
@@ -10120,8 +10521,8 @@
               <a:buNone/>
             </a:pPr>
             <a:r>
-              <a:rPr lang="en-US" altLang="zh-CN" b="1" dirty="0">
-                <a:latin typeface="Verdana" panose="020B0604030504040204" pitchFamily="34" charset="0"/>
+              <a:rPr lang="en-US" altLang="zh-CN" sz="2400" b="1" dirty="0">
+                <a:latin typeface="Consolas" panose="020B0609020204030204" pitchFamily="49" charset="0"/>
                 <a:ea typeface="Verdana" panose="020B0604030504040204" pitchFamily="34" charset="0"/>
               </a:rPr>
               <a:t>Teacher Name / Email</a:t>
@@ -10157,7 +10558,7 @@
         </p:blipFill>
         <p:spPr>
           <a:xfrm>
-            <a:off x="4488200" y="581078"/>
+            <a:off x="4495458" y="804806"/>
             <a:ext cx="3186567" cy="2591873"/>
           </a:xfrm>
           <a:prstGeom prst="rect">
@@ -10170,7 +10571,7 @@
           <p:cNvPr id="4" name="矩形 3">
             <a:extLst>
               <a:ext uri="{FF2B5EF4-FFF2-40B4-BE49-F238E27FC236}">
-                <a16:creationId xmlns:a16="http://schemas.microsoft.com/office/drawing/2014/main" id="{021417EA-48D9-EB5F-058B-43C83C59A526}"/>
+                <a16:creationId xmlns:a16="http://schemas.microsoft.com/office/drawing/2014/main" id="{75A0379E-3606-9AF4-7B2C-57E5B4C73ED1}"/>
               </a:ext>
             </a:extLst>
           </p:cNvPr>
@@ -10219,7 +10620,18 @@
   <p:clrMapOvr>
     <a:masterClrMapping/>
   </p:clrMapOvr>
-  <p:transition spd="med"/>
+  <mc:AlternateContent xmlns:mc="http://schemas.openxmlformats.org/markup-compatibility/2006" xmlns:p14="http://schemas.microsoft.com/office/powerpoint/2010/main">
+    <mc:Choice Requires="p14">
+      <p:transition spd="med" p14:dur="700">
+        <p:fade/>
+      </p:transition>
+    </mc:Choice>
+    <mc:Fallback xmlns="">
+      <p:transition spd="med">
+        <p:fade/>
+      </p:transition>
+    </mc:Fallback>
+  </mc:AlternateContent>
   <p:timing>
     <p:tnLst>
       <p:par>
@@ -10275,6 +10687,46 @@
       </p:grpSpPr>
       <p:sp>
         <p:nvSpPr>
+          <p:cNvPr id="5" name="标题 4">
+            <a:extLst>
+              <a:ext uri="{FF2B5EF4-FFF2-40B4-BE49-F238E27FC236}">
+                <a16:creationId xmlns:a16="http://schemas.microsoft.com/office/drawing/2014/main" id="{6EE4CA97-249C-1557-5744-99808D451452}"/>
+              </a:ext>
+            </a:extLst>
+          </p:cNvPr>
+          <p:cNvSpPr>
+            <a:spLocks noGrp="1"/>
+          </p:cNvSpPr>
+          <p:nvPr>
+            <p:ph type="title"/>
+          </p:nvPr>
+        </p:nvSpPr>
+        <p:spPr/>
+        <p:txBody>
+          <a:bodyPr/>
+          <a:lstStyle/>
+          <a:p>
+            <a:r>
+              <a:rPr lang="en-US" altLang="zh-CN" dirty="0"/>
+              <a:t>18.1.5 </a:t>
+            </a:r>
+            <a:r>
+              <a:rPr lang="zh-CN" altLang="en-US" dirty="0"/>
+              <a:t>在 </a:t>
+            </a:r>
+            <a:r>
+              <a:rPr lang="en-US" altLang="zh-CN" dirty="0"/>
+              <a:t>Django </a:t>
+            </a:r>
+            <a:r>
+              <a:rPr lang="zh-CN" altLang="en-US" dirty="0"/>
+              <a:t>中创建项目</a:t>
+            </a:r>
+          </a:p>
+        </p:txBody>
+      </p:sp>
+      <p:sp>
+        <p:nvSpPr>
           <p:cNvPr id="3" name="内容占位符 2">
             <a:extLst>
               <a:ext uri="{FF2B5EF4-FFF2-40B4-BE49-F238E27FC236}">
@@ -10465,46 +10917,6 @@
                 <a:srgbClr val="C0C0C0"/>
               </a:highlight>
             </a:endParaRPr>
-          </a:p>
-        </p:txBody>
-      </p:sp>
-      <p:sp>
-        <p:nvSpPr>
-          <p:cNvPr id="5" name="标题 4">
-            <a:extLst>
-              <a:ext uri="{FF2B5EF4-FFF2-40B4-BE49-F238E27FC236}">
-                <a16:creationId xmlns:a16="http://schemas.microsoft.com/office/drawing/2014/main" id="{6EE4CA97-249C-1557-5744-99808D451452}"/>
-              </a:ext>
-            </a:extLst>
-          </p:cNvPr>
-          <p:cNvSpPr>
-            <a:spLocks noGrp="1"/>
-          </p:cNvSpPr>
-          <p:nvPr>
-            <p:ph type="title"/>
-          </p:nvPr>
-        </p:nvSpPr>
-        <p:spPr/>
-        <p:txBody>
-          <a:bodyPr/>
-          <a:lstStyle/>
-          <a:p>
-            <a:r>
-              <a:rPr lang="en-US" altLang="zh-CN" dirty="0"/>
-              <a:t>18.1.5 </a:t>
-            </a:r>
-            <a:r>
-              <a:rPr lang="zh-CN" altLang="en-US" dirty="0"/>
-              <a:t>在 </a:t>
-            </a:r>
-            <a:r>
-              <a:rPr lang="en-US" altLang="zh-CN" dirty="0"/>
-              <a:t>Django </a:t>
-            </a:r>
-            <a:r>
-              <a:rPr lang="zh-CN" altLang="en-US" dirty="0"/>
-              <a:t>中创建项目</a:t>
-            </a:r>
           </a:p>
         </p:txBody>
       </p:sp>
@@ -10565,6 +10977,18 @@
   <p:clrMapOvr>
     <a:masterClrMapping/>
   </p:clrMapOvr>
+  <mc:AlternateContent xmlns:mc="http://schemas.openxmlformats.org/markup-compatibility/2006" xmlns:p14="http://schemas.microsoft.com/office/powerpoint/2010/main">
+    <mc:Choice Requires="p14">
+      <p:transition spd="med" p14:dur="700">
+        <p:fade/>
+      </p:transition>
+    </mc:Choice>
+    <mc:Fallback xmlns="">
+      <p:transition spd="med">
+        <p:fade/>
+      </p:transition>
+    </mc:Fallback>
+  </mc:AlternateContent>
 </p:sld>
 </file>
 
@@ -10593,6 +11017,38 @@
       </p:grpSpPr>
       <p:sp>
         <p:nvSpPr>
+          <p:cNvPr id="5" name="标题 4">
+            <a:extLst>
+              <a:ext uri="{FF2B5EF4-FFF2-40B4-BE49-F238E27FC236}">
+                <a16:creationId xmlns:a16="http://schemas.microsoft.com/office/drawing/2014/main" id="{8B144F40-17B4-F068-AAC6-C956F260F777}"/>
+              </a:ext>
+            </a:extLst>
+          </p:cNvPr>
+          <p:cNvSpPr>
+            <a:spLocks noGrp="1"/>
+          </p:cNvSpPr>
+          <p:nvPr>
+            <p:ph type="title"/>
+          </p:nvPr>
+        </p:nvSpPr>
+        <p:spPr/>
+        <p:txBody>
+          <a:bodyPr/>
+          <a:lstStyle/>
+          <a:p>
+            <a:r>
+              <a:rPr lang="en-US" altLang="zh-CN" dirty="0"/>
+              <a:t>18.1.6 </a:t>
+            </a:r>
+            <a:r>
+              <a:rPr lang="zh-CN" altLang="en-US" dirty="0"/>
+              <a:t>创建数据库</a:t>
+            </a:r>
+          </a:p>
+        </p:txBody>
+      </p:sp>
+      <p:sp>
+        <p:nvSpPr>
           <p:cNvPr id="3" name="内容占位符 2">
             <a:extLst>
               <a:ext uri="{FF2B5EF4-FFF2-40B4-BE49-F238E27FC236}">
@@ -10686,38 +11142,6 @@
                 <a:srgbClr val="C0C0C0"/>
               </a:highlight>
             </a:endParaRPr>
-          </a:p>
-        </p:txBody>
-      </p:sp>
-      <p:sp>
-        <p:nvSpPr>
-          <p:cNvPr id="5" name="标题 4">
-            <a:extLst>
-              <a:ext uri="{FF2B5EF4-FFF2-40B4-BE49-F238E27FC236}">
-                <a16:creationId xmlns:a16="http://schemas.microsoft.com/office/drawing/2014/main" id="{8B144F40-17B4-F068-AAC6-C956F260F777}"/>
-              </a:ext>
-            </a:extLst>
-          </p:cNvPr>
-          <p:cNvSpPr>
-            <a:spLocks noGrp="1"/>
-          </p:cNvSpPr>
-          <p:nvPr>
-            <p:ph type="title"/>
-          </p:nvPr>
-        </p:nvSpPr>
-        <p:spPr/>
-        <p:txBody>
-          <a:bodyPr/>
-          <a:lstStyle/>
-          <a:p>
-            <a:r>
-              <a:rPr lang="en-US" altLang="zh-CN" dirty="0"/>
-              <a:t>18.1.6 </a:t>
-            </a:r>
-            <a:r>
-              <a:rPr lang="zh-CN" altLang="en-US" dirty="0"/>
-              <a:t>创建数据库</a:t>
-            </a:r>
           </a:p>
         </p:txBody>
       </p:sp>
@@ -10731,6 +11155,18 @@
   <p:clrMapOvr>
     <a:masterClrMapping/>
   </p:clrMapOvr>
+  <mc:AlternateContent xmlns:mc="http://schemas.openxmlformats.org/markup-compatibility/2006" xmlns:p14="http://schemas.microsoft.com/office/powerpoint/2010/main">
+    <mc:Choice Requires="p14">
+      <p:transition spd="med" p14:dur="700">
+        <p:fade/>
+      </p:transition>
+    </mc:Choice>
+    <mc:Fallback xmlns="">
+      <p:transition spd="med">
+        <p:fade/>
+      </p:transition>
+    </mc:Fallback>
+  </mc:AlternateContent>
 </p:sld>
 </file>
 
@@ -10759,6 +11195,38 @@
       </p:grpSpPr>
       <p:sp>
         <p:nvSpPr>
+          <p:cNvPr id="5" name="标题 4">
+            <a:extLst>
+              <a:ext uri="{FF2B5EF4-FFF2-40B4-BE49-F238E27FC236}">
+                <a16:creationId xmlns:a16="http://schemas.microsoft.com/office/drawing/2014/main" id="{B439A7CC-2FCE-11C1-E489-FEE0F9A9EF2B}"/>
+              </a:ext>
+            </a:extLst>
+          </p:cNvPr>
+          <p:cNvSpPr>
+            <a:spLocks noGrp="1"/>
+          </p:cNvSpPr>
+          <p:nvPr>
+            <p:ph type="title"/>
+          </p:nvPr>
+        </p:nvSpPr>
+        <p:spPr/>
+        <p:txBody>
+          <a:bodyPr/>
+          <a:lstStyle/>
+          <a:p>
+            <a:r>
+              <a:rPr lang="en-US" altLang="zh-CN" dirty="0"/>
+              <a:t>18.1.7 </a:t>
+            </a:r>
+            <a:r>
+              <a:rPr lang="zh-CN" altLang="en-US" dirty="0"/>
+              <a:t>查看项目</a:t>
+            </a:r>
+          </a:p>
+        </p:txBody>
+      </p:sp>
+      <p:sp>
+        <p:nvSpPr>
           <p:cNvPr id="3" name="内容占位符 2">
             <a:extLst>
               <a:ext uri="{FF2B5EF4-FFF2-40B4-BE49-F238E27FC236}">
@@ -10890,38 +11358,6 @@
                 <a:srgbClr val="C0C0C0"/>
               </a:highlight>
             </a:endParaRPr>
-          </a:p>
-        </p:txBody>
-      </p:sp>
-      <p:sp>
-        <p:nvSpPr>
-          <p:cNvPr id="5" name="标题 4">
-            <a:extLst>
-              <a:ext uri="{FF2B5EF4-FFF2-40B4-BE49-F238E27FC236}">
-                <a16:creationId xmlns:a16="http://schemas.microsoft.com/office/drawing/2014/main" id="{B439A7CC-2FCE-11C1-E489-FEE0F9A9EF2B}"/>
-              </a:ext>
-            </a:extLst>
-          </p:cNvPr>
-          <p:cNvSpPr>
-            <a:spLocks noGrp="1"/>
-          </p:cNvSpPr>
-          <p:nvPr>
-            <p:ph type="title"/>
-          </p:nvPr>
-        </p:nvSpPr>
-        <p:spPr/>
-        <p:txBody>
-          <a:bodyPr/>
-          <a:lstStyle/>
-          <a:p>
-            <a:r>
-              <a:rPr lang="en-US" altLang="zh-CN" dirty="0"/>
-              <a:t>18.1.7 </a:t>
-            </a:r>
-            <a:r>
-              <a:rPr lang="zh-CN" altLang="en-US" dirty="0"/>
-              <a:t>查看项目</a:t>
-            </a:r>
           </a:p>
         </p:txBody>
       </p:sp>
@@ -10982,6 +11418,18 @@
   <p:clrMapOvr>
     <a:masterClrMapping/>
   </p:clrMapOvr>
+  <mc:AlternateContent xmlns:mc="http://schemas.openxmlformats.org/markup-compatibility/2006" xmlns:p14="http://schemas.microsoft.com/office/powerpoint/2010/main">
+    <mc:Choice Requires="p14">
+      <p:transition spd="med" p14:dur="700">
+        <p:fade/>
+      </p:transition>
+    </mc:Choice>
+    <mc:Fallback xmlns="">
+      <p:transition spd="med">
+        <p:fade/>
+      </p:transition>
+    </mc:Fallback>
+  </mc:AlternateContent>
 </p:sld>
 </file>
 
@@ -11010,6 +11458,38 @@
       </p:grpSpPr>
       <p:sp>
         <p:nvSpPr>
+          <p:cNvPr id="5" name="标题 4">
+            <a:extLst>
+              <a:ext uri="{FF2B5EF4-FFF2-40B4-BE49-F238E27FC236}">
+                <a16:creationId xmlns:a16="http://schemas.microsoft.com/office/drawing/2014/main" id="{5636EE85-63CF-3E15-4848-963CA0E6D9BD}"/>
+              </a:ext>
+            </a:extLst>
+          </p:cNvPr>
+          <p:cNvSpPr>
+            <a:spLocks noGrp="1"/>
+          </p:cNvSpPr>
+          <p:nvPr>
+            <p:ph type="title"/>
+          </p:nvPr>
+        </p:nvSpPr>
+        <p:spPr/>
+        <p:txBody>
+          <a:bodyPr/>
+          <a:lstStyle/>
+          <a:p>
+            <a:r>
+              <a:rPr lang="en-US" altLang="zh-CN" dirty="0"/>
+              <a:t>18.1.7 </a:t>
+            </a:r>
+            <a:r>
+              <a:rPr lang="zh-CN" altLang="en-US" dirty="0"/>
+              <a:t>查看项目</a:t>
+            </a:r>
+          </a:p>
+        </p:txBody>
+      </p:sp>
+      <p:sp>
+        <p:nvSpPr>
           <p:cNvPr id="3" name="内容占位符 2">
             <a:extLst>
               <a:ext uri="{FF2B5EF4-FFF2-40B4-BE49-F238E27FC236}">
@@ -11115,38 +11595,6 @@
                 <a:srgbClr val="C0C0C0"/>
               </a:highlight>
             </a:endParaRPr>
-          </a:p>
-        </p:txBody>
-      </p:sp>
-      <p:sp>
-        <p:nvSpPr>
-          <p:cNvPr id="5" name="标题 4">
-            <a:extLst>
-              <a:ext uri="{FF2B5EF4-FFF2-40B4-BE49-F238E27FC236}">
-                <a16:creationId xmlns:a16="http://schemas.microsoft.com/office/drawing/2014/main" id="{5636EE85-63CF-3E15-4848-963CA0E6D9BD}"/>
-              </a:ext>
-            </a:extLst>
-          </p:cNvPr>
-          <p:cNvSpPr>
-            <a:spLocks noGrp="1"/>
-          </p:cNvSpPr>
-          <p:nvPr>
-            <p:ph type="title"/>
-          </p:nvPr>
-        </p:nvSpPr>
-        <p:spPr/>
-        <p:txBody>
-          <a:bodyPr/>
-          <a:lstStyle/>
-          <a:p>
-            <a:r>
-              <a:rPr lang="en-US" altLang="zh-CN" dirty="0"/>
-              <a:t>18.1.7 </a:t>
-            </a:r>
-            <a:r>
-              <a:rPr lang="zh-CN" altLang="en-US" dirty="0"/>
-              <a:t>查看项目</a:t>
-            </a:r>
           </a:p>
         </p:txBody>
       </p:sp>
@@ -11160,6 +11608,18 @@
   <p:clrMapOvr>
     <a:masterClrMapping/>
   </p:clrMapOvr>
+  <mc:AlternateContent xmlns:mc="http://schemas.openxmlformats.org/markup-compatibility/2006" xmlns:p14="http://schemas.microsoft.com/office/powerpoint/2010/main">
+    <mc:Choice Requires="p14">
+      <p:transition spd="med" p14:dur="700">
+        <p:fade/>
+      </p:transition>
+    </mc:Choice>
+    <mc:Fallback xmlns="">
+      <p:transition spd="med">
+        <p:fade/>
+      </p:transition>
+    </mc:Fallback>
+  </mc:AlternateContent>
 </p:sld>
 </file>
 
@@ -11186,6 +11646,38 @@
           <a:chExt cx="0" cy="0"/>
         </a:xfrm>
       </p:grpSpPr>
+      <p:sp>
+        <p:nvSpPr>
+          <p:cNvPr id="5" name="标题 4">
+            <a:extLst>
+              <a:ext uri="{FF2B5EF4-FFF2-40B4-BE49-F238E27FC236}">
+                <a16:creationId xmlns:a16="http://schemas.microsoft.com/office/drawing/2014/main" id="{3D7D756B-765D-5253-9B38-EBC847D4C9B8}"/>
+              </a:ext>
+            </a:extLst>
+          </p:cNvPr>
+          <p:cNvSpPr>
+            <a:spLocks noGrp="1"/>
+          </p:cNvSpPr>
+          <p:nvPr>
+            <p:ph type="title"/>
+          </p:nvPr>
+        </p:nvSpPr>
+        <p:spPr/>
+        <p:txBody>
+          <a:bodyPr/>
+          <a:lstStyle/>
+          <a:p>
+            <a:r>
+              <a:rPr lang="en-US" altLang="zh-CN" dirty="0"/>
+              <a:t>18.1.7 </a:t>
+            </a:r>
+            <a:r>
+              <a:rPr lang="zh-CN" altLang="en-US" dirty="0"/>
+              <a:t>查看项目</a:t>
+            </a:r>
+          </a:p>
+        </p:txBody>
+      </p:sp>
       <p:pic>
         <p:nvPicPr>
           <p:cNvPr id="4" name="内容占位符 3">
@@ -11215,38 +11707,6 @@
           </a:xfrm>
         </p:spPr>
       </p:pic>
-      <p:sp>
-        <p:nvSpPr>
-          <p:cNvPr id="5" name="标题 4">
-            <a:extLst>
-              <a:ext uri="{FF2B5EF4-FFF2-40B4-BE49-F238E27FC236}">
-                <a16:creationId xmlns:a16="http://schemas.microsoft.com/office/drawing/2014/main" id="{3D7D756B-765D-5253-9B38-EBC847D4C9B8}"/>
-              </a:ext>
-            </a:extLst>
-          </p:cNvPr>
-          <p:cNvSpPr>
-            <a:spLocks noGrp="1"/>
-          </p:cNvSpPr>
-          <p:nvPr>
-            <p:ph type="title"/>
-          </p:nvPr>
-        </p:nvSpPr>
-        <p:spPr/>
-        <p:txBody>
-          <a:bodyPr/>
-          <a:lstStyle/>
-          <a:p>
-            <a:r>
-              <a:rPr lang="en-US" altLang="zh-CN" dirty="0"/>
-              <a:t>18.1.7 </a:t>
-            </a:r>
-            <a:r>
-              <a:rPr lang="zh-CN" altLang="en-US" dirty="0"/>
-              <a:t>查看项目</a:t>
-            </a:r>
-          </a:p>
-        </p:txBody>
-      </p:sp>
     </p:spTree>
     <p:extLst>
       <p:ext uri="{BB962C8B-B14F-4D97-AF65-F5344CB8AC3E}">
@@ -11257,6 +11717,18 @@
   <p:clrMapOvr>
     <a:masterClrMapping/>
   </p:clrMapOvr>
+  <mc:AlternateContent xmlns:mc="http://schemas.openxmlformats.org/markup-compatibility/2006" xmlns:p14="http://schemas.microsoft.com/office/powerpoint/2010/main">
+    <mc:Choice Requires="p14">
+      <p:transition spd="med" p14:dur="700">
+        <p:fade/>
+      </p:transition>
+    </mc:Choice>
+    <mc:Fallback xmlns="">
+      <p:transition spd="med">
+        <p:fade/>
+      </p:transition>
+    </mc:Fallback>
+  </mc:AlternateContent>
 </p:sld>
 </file>
 
@@ -11285,6 +11757,38 @@
       </p:grpSpPr>
       <p:sp>
         <p:nvSpPr>
+          <p:cNvPr id="5" name="标题 4">
+            <a:extLst>
+              <a:ext uri="{FF2B5EF4-FFF2-40B4-BE49-F238E27FC236}">
+                <a16:creationId xmlns:a16="http://schemas.microsoft.com/office/drawing/2014/main" id="{91D8CF7B-A507-BAB9-8CD8-2444FD562668}"/>
+              </a:ext>
+            </a:extLst>
+          </p:cNvPr>
+          <p:cNvSpPr>
+            <a:spLocks noGrp="1"/>
+          </p:cNvSpPr>
+          <p:nvPr>
+            <p:ph type="title"/>
+          </p:nvPr>
+        </p:nvSpPr>
+        <p:spPr/>
+        <p:txBody>
+          <a:bodyPr/>
+          <a:lstStyle/>
+          <a:p>
+            <a:r>
+              <a:rPr lang="en-US" altLang="zh-CN" dirty="0"/>
+              <a:t>18.2 </a:t>
+            </a:r>
+            <a:r>
+              <a:rPr lang="zh-CN" altLang="en-US" dirty="0"/>
+              <a:t>创建应用程序</a:t>
+            </a:r>
+          </a:p>
+        </p:txBody>
+      </p:sp>
+      <p:sp>
+        <p:nvSpPr>
           <p:cNvPr id="3" name="内容占位符 2">
             <a:extLst>
               <a:ext uri="{FF2B5EF4-FFF2-40B4-BE49-F238E27FC236}">
@@ -11492,38 +11996,6 @@
             <a:r>
               <a:rPr lang="en-US" altLang="zh-CN" dirty="0"/>
               <a:t>__init__.py admin.py apps.py migrations models.py tests.py views.py</a:t>
-            </a:r>
-          </a:p>
-        </p:txBody>
-      </p:sp>
-      <p:sp>
-        <p:nvSpPr>
-          <p:cNvPr id="5" name="标题 4">
-            <a:extLst>
-              <a:ext uri="{FF2B5EF4-FFF2-40B4-BE49-F238E27FC236}">
-                <a16:creationId xmlns:a16="http://schemas.microsoft.com/office/drawing/2014/main" id="{91D8CF7B-A507-BAB9-8CD8-2444FD562668}"/>
-              </a:ext>
-            </a:extLst>
-          </p:cNvPr>
-          <p:cNvSpPr>
-            <a:spLocks noGrp="1"/>
-          </p:cNvSpPr>
-          <p:nvPr>
-            <p:ph type="title"/>
-          </p:nvPr>
-        </p:nvSpPr>
-        <p:spPr/>
-        <p:txBody>
-          <a:bodyPr/>
-          <a:lstStyle/>
-          <a:p>
-            <a:r>
-              <a:rPr lang="en-US" altLang="zh-CN" dirty="0"/>
-              <a:t>18.2 </a:t>
-            </a:r>
-            <a:r>
-              <a:rPr lang="zh-CN" altLang="en-US" dirty="0"/>
-              <a:t>创建应用程序</a:t>
             </a:r>
           </a:p>
         </p:txBody>
@@ -11585,6 +12057,18 @@
   <p:clrMapOvr>
     <a:masterClrMapping/>
   </p:clrMapOvr>
+  <mc:AlternateContent xmlns:mc="http://schemas.openxmlformats.org/markup-compatibility/2006" xmlns:p14="http://schemas.microsoft.com/office/powerpoint/2010/main">
+    <mc:Choice Requires="p14">
+      <p:transition spd="med" p14:dur="700">
+        <p:fade/>
+      </p:transition>
+    </mc:Choice>
+    <mc:Fallback xmlns="">
+      <p:transition spd="med">
+        <p:fade/>
+      </p:transition>
+    </mc:Fallback>
+  </mc:AlternateContent>
 </p:sld>
 </file>
 
@@ -11613,6 +12097,38 @@
       </p:grpSpPr>
       <p:sp>
         <p:nvSpPr>
+          <p:cNvPr id="5" name="标题 4">
+            <a:extLst>
+              <a:ext uri="{FF2B5EF4-FFF2-40B4-BE49-F238E27FC236}">
+                <a16:creationId xmlns:a16="http://schemas.microsoft.com/office/drawing/2014/main" id="{50ECDD23-9FC1-4579-FF96-C86668C1956A}"/>
+              </a:ext>
+            </a:extLst>
+          </p:cNvPr>
+          <p:cNvSpPr>
+            <a:spLocks noGrp="1"/>
+          </p:cNvSpPr>
+          <p:nvPr>
+            <p:ph type="title"/>
+          </p:nvPr>
+        </p:nvSpPr>
+        <p:spPr/>
+        <p:txBody>
+          <a:bodyPr/>
+          <a:lstStyle/>
+          <a:p>
+            <a:r>
+              <a:rPr lang="en-US" altLang="zh-CN" dirty="0"/>
+              <a:t>18.2 </a:t>
+            </a:r>
+            <a:r>
+              <a:rPr lang="zh-CN" altLang="en-US" dirty="0"/>
+              <a:t>创建应用程序</a:t>
+            </a:r>
+          </a:p>
+        </p:txBody>
+      </p:sp>
+      <p:sp>
+        <p:nvSpPr>
           <p:cNvPr id="3" name="内容占位符 2">
             <a:extLst>
               <a:ext uri="{FF2B5EF4-FFF2-40B4-BE49-F238E27FC236}">
@@ -11702,38 +12218,6 @@
               <a:t>的管理网站功能，并添加一些真实数据的条目。</a:t>
             </a:r>
             <a:endParaRPr lang="en-US" altLang="zh-CN" dirty="0"/>
-          </a:p>
-        </p:txBody>
-      </p:sp>
-      <p:sp>
-        <p:nvSpPr>
-          <p:cNvPr id="5" name="标题 4">
-            <a:extLst>
-              <a:ext uri="{FF2B5EF4-FFF2-40B4-BE49-F238E27FC236}">
-                <a16:creationId xmlns:a16="http://schemas.microsoft.com/office/drawing/2014/main" id="{50ECDD23-9FC1-4579-FF96-C86668C1956A}"/>
-              </a:ext>
-            </a:extLst>
-          </p:cNvPr>
-          <p:cNvSpPr>
-            <a:spLocks noGrp="1"/>
-          </p:cNvSpPr>
-          <p:nvPr>
-            <p:ph type="title"/>
-          </p:nvPr>
-        </p:nvSpPr>
-        <p:spPr/>
-        <p:txBody>
-          <a:bodyPr/>
-          <a:lstStyle/>
-          <a:p>
-            <a:r>
-              <a:rPr lang="en-US" altLang="zh-CN" dirty="0"/>
-              <a:t>18.2 </a:t>
-            </a:r>
-            <a:r>
-              <a:rPr lang="zh-CN" altLang="en-US" dirty="0"/>
-              <a:t>创建应用程序</a:t>
-            </a:r>
           </a:p>
         </p:txBody>
       </p:sp>
@@ -11747,6 +12231,18 @@
   <p:clrMapOvr>
     <a:masterClrMapping/>
   </p:clrMapOvr>
+  <mc:AlternateContent xmlns:mc="http://schemas.openxmlformats.org/markup-compatibility/2006" xmlns:p14="http://schemas.microsoft.com/office/powerpoint/2010/main">
+    <mc:Choice Requires="p14">
+      <p:transition spd="med" p14:dur="700">
+        <p:fade/>
+      </p:transition>
+    </mc:Choice>
+    <mc:Fallback xmlns="">
+      <p:transition spd="med">
+        <p:fade/>
+      </p:transition>
+    </mc:Fallback>
+  </mc:AlternateContent>
 </p:sld>
 </file>
 
@@ -11775,6 +12271,35 @@
       </p:grpSpPr>
       <p:sp>
         <p:nvSpPr>
+          <p:cNvPr id="5" name="标题 4">
+            <a:extLst>
+              <a:ext uri="{FF2B5EF4-FFF2-40B4-BE49-F238E27FC236}">
+                <a16:creationId xmlns:a16="http://schemas.microsoft.com/office/drawing/2014/main" id="{28704A15-C2F5-939B-1924-6010F55684AD}"/>
+              </a:ext>
+            </a:extLst>
+          </p:cNvPr>
+          <p:cNvSpPr>
+            <a:spLocks noGrp="1"/>
+          </p:cNvSpPr>
+          <p:nvPr>
+            <p:ph type="title"/>
+          </p:nvPr>
+        </p:nvSpPr>
+        <p:spPr/>
+        <p:txBody>
+          <a:bodyPr/>
+          <a:lstStyle/>
+          <a:p>
+            <a:r>
+              <a:rPr lang="en-US" altLang="zh-CN" dirty="0"/>
+              <a:t>18.2.7 Django shell</a:t>
+            </a:r>
+            <a:endParaRPr lang="zh-CN" altLang="en-US" dirty="0"/>
+          </a:p>
+        </p:txBody>
+      </p:sp>
+      <p:sp>
+        <p:nvSpPr>
           <p:cNvPr id="3" name="内容占位符 2">
             <a:extLst>
               <a:ext uri="{FF2B5EF4-FFF2-40B4-BE49-F238E27FC236}">
@@ -11812,35 +12337,6 @@
               <a:t>来交互式地查看数据，具体可查看原书。</a:t>
             </a:r>
             <a:endParaRPr lang="en-US" altLang="zh-CN" dirty="0"/>
-          </a:p>
-        </p:txBody>
-      </p:sp>
-      <p:sp>
-        <p:nvSpPr>
-          <p:cNvPr id="5" name="标题 4">
-            <a:extLst>
-              <a:ext uri="{FF2B5EF4-FFF2-40B4-BE49-F238E27FC236}">
-                <a16:creationId xmlns:a16="http://schemas.microsoft.com/office/drawing/2014/main" id="{28704A15-C2F5-939B-1924-6010F55684AD}"/>
-              </a:ext>
-            </a:extLst>
-          </p:cNvPr>
-          <p:cNvSpPr>
-            <a:spLocks noGrp="1"/>
-          </p:cNvSpPr>
-          <p:nvPr>
-            <p:ph type="title"/>
-          </p:nvPr>
-        </p:nvSpPr>
-        <p:spPr/>
-        <p:txBody>
-          <a:bodyPr/>
-          <a:lstStyle/>
-          <a:p>
-            <a:r>
-              <a:rPr lang="en-US" altLang="zh-CN" dirty="0"/>
-              <a:t>18.2.7 Django shell</a:t>
-            </a:r>
-            <a:endParaRPr lang="zh-CN" altLang="en-US" dirty="0"/>
           </a:p>
         </p:txBody>
       </p:sp>
@@ -11854,6 +12350,18 @@
   <p:clrMapOvr>
     <a:masterClrMapping/>
   </p:clrMapOvr>
+  <mc:AlternateContent xmlns:mc="http://schemas.openxmlformats.org/markup-compatibility/2006" xmlns:p14="http://schemas.microsoft.com/office/powerpoint/2010/main">
+    <mc:Choice Requires="p14">
+      <p:transition spd="med" p14:dur="700">
+        <p:fade/>
+      </p:transition>
+    </mc:Choice>
+    <mc:Fallback xmlns="">
+      <p:transition spd="med">
+        <p:fade/>
+      </p:transition>
+    </mc:Fallback>
+  </mc:AlternateContent>
 </p:sld>
 </file>
 
@@ -11882,6 +12390,38 @@
       </p:grpSpPr>
       <p:sp>
         <p:nvSpPr>
+          <p:cNvPr id="5" name="标题 4">
+            <a:extLst>
+              <a:ext uri="{FF2B5EF4-FFF2-40B4-BE49-F238E27FC236}">
+                <a16:creationId xmlns:a16="http://schemas.microsoft.com/office/drawing/2014/main" id="{37F13610-7B21-64F9-E295-31BB124C2CEB}"/>
+              </a:ext>
+            </a:extLst>
+          </p:cNvPr>
+          <p:cNvSpPr>
+            <a:spLocks noGrp="1"/>
+          </p:cNvSpPr>
+          <p:nvPr>
+            <p:ph type="title"/>
+          </p:nvPr>
+        </p:nvSpPr>
+        <p:spPr/>
+        <p:txBody>
+          <a:bodyPr/>
+          <a:lstStyle/>
+          <a:p>
+            <a:r>
+              <a:rPr lang="en-US" altLang="zh-CN" dirty="0"/>
+              <a:t>18.3 </a:t>
+            </a:r>
+            <a:r>
+              <a:rPr lang="zh-CN" altLang="en-US" dirty="0"/>
+              <a:t>创建网页：学习笔记主页</a:t>
+            </a:r>
+          </a:p>
+        </p:txBody>
+      </p:sp>
+      <p:sp>
+        <p:nvSpPr>
           <p:cNvPr id="3" name="内容占位符 2">
             <a:extLst>
               <a:ext uri="{FF2B5EF4-FFF2-40B4-BE49-F238E27FC236}">
@@ -12009,38 +12549,6 @@
               <a:t>匹配，以确定返回哪个网页。</a:t>
             </a:r>
             <a:endParaRPr lang="en-US" altLang="zh-CN" dirty="0"/>
-          </a:p>
-        </p:txBody>
-      </p:sp>
-      <p:sp>
-        <p:nvSpPr>
-          <p:cNvPr id="5" name="标题 4">
-            <a:extLst>
-              <a:ext uri="{FF2B5EF4-FFF2-40B4-BE49-F238E27FC236}">
-                <a16:creationId xmlns:a16="http://schemas.microsoft.com/office/drawing/2014/main" id="{37F13610-7B21-64F9-E295-31BB124C2CEB}"/>
-              </a:ext>
-            </a:extLst>
-          </p:cNvPr>
-          <p:cNvSpPr>
-            <a:spLocks noGrp="1"/>
-          </p:cNvSpPr>
-          <p:nvPr>
-            <p:ph type="title"/>
-          </p:nvPr>
-        </p:nvSpPr>
-        <p:spPr/>
-        <p:txBody>
-          <a:bodyPr/>
-          <a:lstStyle/>
-          <a:p>
-            <a:r>
-              <a:rPr lang="en-US" altLang="zh-CN" dirty="0"/>
-              <a:t>18.3 </a:t>
-            </a:r>
-            <a:r>
-              <a:rPr lang="zh-CN" altLang="en-US" dirty="0"/>
-              <a:t>创建网页：学习笔记主页</a:t>
-            </a:r>
           </a:p>
         </p:txBody>
       </p:sp>
@@ -12054,6 +12562,18 @@
   <p:clrMapOvr>
     <a:masterClrMapping/>
   </p:clrMapOvr>
+  <mc:AlternateContent xmlns:mc="http://schemas.openxmlformats.org/markup-compatibility/2006" xmlns:p14="http://schemas.microsoft.com/office/powerpoint/2010/main">
+    <mc:Choice Requires="p14">
+      <p:transition spd="med" p14:dur="700">
+        <p:fade/>
+      </p:transition>
+    </mc:Choice>
+    <mc:Fallback xmlns="">
+      <p:transition spd="med">
+        <p:fade/>
+      </p:transition>
+    </mc:Fallback>
+  </mc:AlternateContent>
 </p:sld>
 </file>
 
@@ -12082,6 +12602,38 @@
       </p:grpSpPr>
       <p:sp>
         <p:nvSpPr>
+          <p:cNvPr id="5" name="标题 4">
+            <a:extLst>
+              <a:ext uri="{FF2B5EF4-FFF2-40B4-BE49-F238E27FC236}">
+                <a16:creationId xmlns:a16="http://schemas.microsoft.com/office/drawing/2014/main" id="{86504CB3-9734-9828-16AF-02C273F15263}"/>
+              </a:ext>
+            </a:extLst>
+          </p:cNvPr>
+          <p:cNvSpPr>
+            <a:spLocks noGrp="1"/>
+          </p:cNvSpPr>
+          <p:nvPr>
+            <p:ph type="title"/>
+          </p:nvPr>
+        </p:nvSpPr>
+        <p:spPr/>
+        <p:txBody>
+          <a:bodyPr/>
+          <a:lstStyle/>
+          <a:p>
+            <a:r>
+              <a:rPr lang="en-US" altLang="zh-CN" dirty="0"/>
+              <a:t>18.3 </a:t>
+            </a:r>
+            <a:r>
+              <a:rPr lang="zh-CN" altLang="en-US" dirty="0"/>
+              <a:t>创建网页：学习笔记主页</a:t>
+            </a:r>
+          </a:p>
+        </p:txBody>
+      </p:sp>
+      <p:sp>
+        <p:nvSpPr>
           <p:cNvPr id="3" name="内容占位符 2">
             <a:extLst>
               <a:ext uri="{FF2B5EF4-FFF2-40B4-BE49-F238E27FC236}">
@@ -12175,38 +12727,6 @@
               <a:t>小节的学习，我们能让网站显示一个主页：</a:t>
             </a:r>
             <a:endParaRPr lang="en-US" altLang="zh-CN" dirty="0"/>
-          </a:p>
-        </p:txBody>
-      </p:sp>
-      <p:sp>
-        <p:nvSpPr>
-          <p:cNvPr id="5" name="标题 4">
-            <a:extLst>
-              <a:ext uri="{FF2B5EF4-FFF2-40B4-BE49-F238E27FC236}">
-                <a16:creationId xmlns:a16="http://schemas.microsoft.com/office/drawing/2014/main" id="{86504CB3-9734-9828-16AF-02C273F15263}"/>
-              </a:ext>
-            </a:extLst>
-          </p:cNvPr>
-          <p:cNvSpPr>
-            <a:spLocks noGrp="1"/>
-          </p:cNvSpPr>
-          <p:nvPr>
-            <p:ph type="title"/>
-          </p:nvPr>
-        </p:nvSpPr>
-        <p:spPr/>
-        <p:txBody>
-          <a:bodyPr/>
-          <a:lstStyle/>
-          <a:p>
-            <a:r>
-              <a:rPr lang="en-US" altLang="zh-CN" dirty="0"/>
-              <a:t>18.3 </a:t>
-            </a:r>
-            <a:r>
-              <a:rPr lang="zh-CN" altLang="en-US" dirty="0"/>
-              <a:t>创建网页：学习笔记主页</a:t>
-            </a:r>
           </a:p>
         </p:txBody>
       </p:sp>
@@ -12220,6 +12740,18 @@
   <p:clrMapOvr>
     <a:masterClrMapping/>
   </p:clrMapOvr>
+  <mc:AlternateContent xmlns:mc="http://schemas.openxmlformats.org/markup-compatibility/2006" xmlns:p14="http://schemas.microsoft.com/office/powerpoint/2010/main">
+    <mc:Choice Requires="p14">
+      <p:transition spd="med" p14:dur="700">
+        <p:fade/>
+      </p:transition>
+    </mc:Choice>
+    <mc:Fallback xmlns="">
+      <p:transition spd="med">
+        <p:fade/>
+      </p:transition>
+    </mc:Fallback>
+  </mc:AlternateContent>
 </p:sld>
 </file>
 
@@ -12242,6 +12774,34 @@
       </p:grpSpPr>
       <p:sp>
         <p:nvSpPr>
+          <p:cNvPr id="5" name="标题 4">
+            <a:extLst>
+              <a:ext uri="{FF2B5EF4-FFF2-40B4-BE49-F238E27FC236}">
+                <a16:creationId xmlns:a16="http://schemas.microsoft.com/office/drawing/2014/main" id="{14B5F31E-85DD-B8D9-9ED7-E32A03C57260}"/>
+              </a:ext>
+            </a:extLst>
+          </p:cNvPr>
+          <p:cNvSpPr>
+            <a:spLocks noGrp="1"/>
+          </p:cNvSpPr>
+          <p:nvPr>
+            <p:ph type="title"/>
+          </p:nvPr>
+        </p:nvSpPr>
+        <p:spPr/>
+        <p:txBody>
+          <a:bodyPr/>
+          <a:lstStyle/>
+          <a:p>
+            <a:r>
+              <a:rPr lang="zh-CN" altLang="en-US" dirty="0"/>
+              <a:t>关于本讲义</a:t>
+            </a:r>
+          </a:p>
+        </p:txBody>
+      </p:sp>
+      <p:sp>
+        <p:nvSpPr>
           <p:cNvPr id="3" name="内容占位符 2">
             <a:extLst>
               <a:ext uri="{FF2B5EF4-FFF2-40B4-BE49-F238E27FC236}">
@@ -12381,34 +12941,6 @@
             <a:r>
               <a:rPr lang="en-US" altLang="zh-CN" dirty="0"/>
               <a:t>@Scruel Tao</a:t>
-            </a:r>
-          </a:p>
-        </p:txBody>
-      </p:sp>
-      <p:sp>
-        <p:nvSpPr>
-          <p:cNvPr id="5" name="标题 4">
-            <a:extLst>
-              <a:ext uri="{FF2B5EF4-FFF2-40B4-BE49-F238E27FC236}">
-                <a16:creationId xmlns:a16="http://schemas.microsoft.com/office/drawing/2014/main" id="{14B5F31E-85DD-B8D9-9ED7-E32A03C57260}"/>
-              </a:ext>
-            </a:extLst>
-          </p:cNvPr>
-          <p:cNvSpPr>
-            <a:spLocks noGrp="1"/>
-          </p:cNvSpPr>
-          <p:nvPr>
-            <p:ph type="title"/>
-          </p:nvPr>
-        </p:nvSpPr>
-        <p:spPr/>
-        <p:txBody>
-          <a:bodyPr/>
-          <a:lstStyle/>
-          <a:p>
-            <a:r>
-              <a:rPr lang="zh-CN" altLang="en-US" dirty="0"/>
-              <a:t>关于本讲义</a:t>
             </a:r>
           </a:p>
         </p:txBody>
@@ -12423,6 +12955,18 @@
   <p:clrMapOvr>
     <a:masterClrMapping/>
   </p:clrMapOvr>
+  <mc:AlternateContent xmlns:mc="http://schemas.openxmlformats.org/markup-compatibility/2006" xmlns:p14="http://schemas.microsoft.com/office/powerpoint/2010/main">
+    <mc:Choice Requires="p14">
+      <p:transition spd="med" p14:dur="700">
+        <p:fade/>
+      </p:transition>
+    </mc:Choice>
+    <mc:Fallback xmlns="">
+      <p:transition spd="med">
+        <p:fade/>
+      </p:transition>
+    </mc:Fallback>
+  </mc:AlternateContent>
 </p:sld>
 </file>
 
@@ -12449,6 +12993,38 @@
           <a:chExt cx="0" cy="0"/>
         </a:xfrm>
       </p:grpSpPr>
+      <p:sp>
+        <p:nvSpPr>
+          <p:cNvPr id="5" name="标题 4">
+            <a:extLst>
+              <a:ext uri="{FF2B5EF4-FFF2-40B4-BE49-F238E27FC236}">
+                <a16:creationId xmlns:a16="http://schemas.microsoft.com/office/drawing/2014/main" id="{E442A52C-806C-2135-58C4-E4856B0F6EEC}"/>
+              </a:ext>
+            </a:extLst>
+          </p:cNvPr>
+          <p:cNvSpPr>
+            <a:spLocks noGrp="1"/>
+          </p:cNvSpPr>
+          <p:nvPr>
+            <p:ph type="title"/>
+          </p:nvPr>
+        </p:nvSpPr>
+        <p:spPr/>
+        <p:txBody>
+          <a:bodyPr/>
+          <a:lstStyle/>
+          <a:p>
+            <a:r>
+              <a:rPr lang="en-US" altLang="zh-CN" dirty="0"/>
+              <a:t>18.3 </a:t>
+            </a:r>
+            <a:r>
+              <a:rPr lang="zh-CN" altLang="en-US" dirty="0"/>
+              <a:t>创建网页：学习笔记主页</a:t>
+            </a:r>
+          </a:p>
+        </p:txBody>
+      </p:sp>
       <p:pic>
         <p:nvPicPr>
           <p:cNvPr id="4" name="内容占位符 3">
@@ -12478,38 +13054,6 @@
           </a:xfrm>
         </p:spPr>
       </p:pic>
-      <p:sp>
-        <p:nvSpPr>
-          <p:cNvPr id="5" name="标题 4">
-            <a:extLst>
-              <a:ext uri="{FF2B5EF4-FFF2-40B4-BE49-F238E27FC236}">
-                <a16:creationId xmlns:a16="http://schemas.microsoft.com/office/drawing/2014/main" id="{E442A52C-806C-2135-58C4-E4856B0F6EEC}"/>
-              </a:ext>
-            </a:extLst>
-          </p:cNvPr>
-          <p:cNvSpPr>
-            <a:spLocks noGrp="1"/>
-          </p:cNvSpPr>
-          <p:nvPr>
-            <p:ph type="title"/>
-          </p:nvPr>
-        </p:nvSpPr>
-        <p:spPr/>
-        <p:txBody>
-          <a:bodyPr/>
-          <a:lstStyle/>
-          <a:p>
-            <a:r>
-              <a:rPr lang="en-US" altLang="zh-CN" dirty="0"/>
-              <a:t>18.3 </a:t>
-            </a:r>
-            <a:r>
-              <a:rPr lang="zh-CN" altLang="en-US" dirty="0"/>
-              <a:t>创建网页：学习笔记主页</a:t>
-            </a:r>
-          </a:p>
-        </p:txBody>
-      </p:sp>
     </p:spTree>
     <p:extLst>
       <p:ext uri="{BB962C8B-B14F-4D97-AF65-F5344CB8AC3E}">
@@ -12520,6 +13064,18 @@
   <p:clrMapOvr>
     <a:masterClrMapping/>
   </p:clrMapOvr>
+  <mc:AlternateContent xmlns:mc="http://schemas.openxmlformats.org/markup-compatibility/2006" xmlns:p14="http://schemas.microsoft.com/office/powerpoint/2010/main">
+    <mc:Choice Requires="p14">
+      <p:transition spd="med" p14:dur="700">
+        <p:fade/>
+      </p:transition>
+    </mc:Choice>
+    <mc:Fallback xmlns="">
+      <p:transition spd="med">
+        <p:fade/>
+      </p:transition>
+    </mc:Fallback>
+  </mc:AlternateContent>
 </p:sld>
 </file>
 
@@ -12548,6 +13104,38 @@
       </p:grpSpPr>
       <p:sp>
         <p:nvSpPr>
+          <p:cNvPr id="5" name="标题 4">
+            <a:extLst>
+              <a:ext uri="{FF2B5EF4-FFF2-40B4-BE49-F238E27FC236}">
+                <a16:creationId xmlns:a16="http://schemas.microsoft.com/office/drawing/2014/main" id="{6F000C2C-138B-2987-77FD-B20E926529DF}"/>
+              </a:ext>
+            </a:extLst>
+          </p:cNvPr>
+          <p:cNvSpPr>
+            <a:spLocks noGrp="1"/>
+          </p:cNvSpPr>
+          <p:nvPr>
+            <p:ph type="title"/>
+          </p:nvPr>
+        </p:nvSpPr>
+        <p:spPr/>
+        <p:txBody>
+          <a:bodyPr/>
+          <a:lstStyle/>
+          <a:p>
+            <a:r>
+              <a:rPr lang="en-US" altLang="zh-CN" dirty="0"/>
+              <a:t>18.4 </a:t>
+            </a:r>
+            <a:r>
+              <a:rPr lang="zh-CN" altLang="en-US" dirty="0"/>
+              <a:t>创建其他网页</a:t>
+            </a:r>
+          </a:p>
+        </p:txBody>
+      </p:sp>
+      <p:sp>
+        <p:nvSpPr>
           <p:cNvPr id="3" name="内容占位符 2">
             <a:extLst>
               <a:ext uri="{FF2B5EF4-FFF2-40B4-BE49-F238E27FC236}">
@@ -12629,38 +13217,6 @@
               <a:t>。</a:t>
             </a:r>
             <a:endParaRPr lang="en-US" altLang="zh-CN" dirty="0"/>
-          </a:p>
-        </p:txBody>
-      </p:sp>
-      <p:sp>
-        <p:nvSpPr>
-          <p:cNvPr id="5" name="标题 4">
-            <a:extLst>
-              <a:ext uri="{FF2B5EF4-FFF2-40B4-BE49-F238E27FC236}">
-                <a16:creationId xmlns:a16="http://schemas.microsoft.com/office/drawing/2014/main" id="{6F000C2C-138B-2987-77FD-B20E926529DF}"/>
-              </a:ext>
-            </a:extLst>
-          </p:cNvPr>
-          <p:cNvSpPr>
-            <a:spLocks noGrp="1"/>
-          </p:cNvSpPr>
-          <p:nvPr>
-            <p:ph type="title"/>
-          </p:nvPr>
-        </p:nvSpPr>
-        <p:spPr/>
-        <p:txBody>
-          <a:bodyPr/>
-          <a:lstStyle/>
-          <a:p>
-            <a:r>
-              <a:rPr lang="en-US" altLang="zh-CN" dirty="0"/>
-              <a:t>18.4 </a:t>
-            </a:r>
-            <a:r>
-              <a:rPr lang="zh-CN" altLang="en-US" dirty="0"/>
-              <a:t>创建其他网页</a:t>
-            </a:r>
           </a:p>
         </p:txBody>
       </p:sp>
@@ -12674,6 +13230,18 @@
   <p:clrMapOvr>
     <a:masterClrMapping/>
   </p:clrMapOvr>
+  <mc:AlternateContent xmlns:mc="http://schemas.openxmlformats.org/markup-compatibility/2006" xmlns:p14="http://schemas.microsoft.com/office/powerpoint/2010/main">
+    <mc:Choice Requires="p14">
+      <p:transition spd="med" p14:dur="700">
+        <p:fade/>
+      </p:transition>
+    </mc:Choice>
+    <mc:Fallback xmlns="">
+      <p:transition spd="med">
+        <p:fade/>
+      </p:transition>
+    </mc:Fallback>
+  </mc:AlternateContent>
 </p:sld>
 </file>
 
@@ -12700,6 +13268,38 @@
           <a:chExt cx="0" cy="0"/>
         </a:xfrm>
       </p:grpSpPr>
+      <p:sp>
+        <p:nvSpPr>
+          <p:cNvPr id="5" name="标题 4">
+            <a:extLst>
+              <a:ext uri="{FF2B5EF4-FFF2-40B4-BE49-F238E27FC236}">
+                <a16:creationId xmlns:a16="http://schemas.microsoft.com/office/drawing/2014/main" id="{13C6BA37-DBEB-9FFE-0949-2A8AA475FEA6}"/>
+              </a:ext>
+            </a:extLst>
+          </p:cNvPr>
+          <p:cNvSpPr>
+            <a:spLocks noGrp="1"/>
+          </p:cNvSpPr>
+          <p:nvPr>
+            <p:ph type="title"/>
+          </p:nvPr>
+        </p:nvSpPr>
+        <p:spPr/>
+        <p:txBody>
+          <a:bodyPr/>
+          <a:lstStyle/>
+          <a:p>
+            <a:r>
+              <a:rPr lang="en-US" altLang="zh-CN" dirty="0"/>
+              <a:t>18.4 </a:t>
+            </a:r>
+            <a:r>
+              <a:rPr lang="zh-CN" altLang="en-US" dirty="0"/>
+              <a:t>创建其他网页</a:t>
+            </a:r>
+          </a:p>
+        </p:txBody>
+      </p:sp>
       <p:pic>
         <p:nvPicPr>
           <p:cNvPr id="4" name="内容占位符 3">
@@ -12729,38 +13329,6 @@
           </a:xfrm>
         </p:spPr>
       </p:pic>
-      <p:sp>
-        <p:nvSpPr>
-          <p:cNvPr id="5" name="标题 4">
-            <a:extLst>
-              <a:ext uri="{FF2B5EF4-FFF2-40B4-BE49-F238E27FC236}">
-                <a16:creationId xmlns:a16="http://schemas.microsoft.com/office/drawing/2014/main" id="{13C6BA37-DBEB-9FFE-0949-2A8AA475FEA6}"/>
-              </a:ext>
-            </a:extLst>
-          </p:cNvPr>
-          <p:cNvSpPr>
-            <a:spLocks noGrp="1"/>
-          </p:cNvSpPr>
-          <p:nvPr>
-            <p:ph type="title"/>
-          </p:nvPr>
-        </p:nvSpPr>
-        <p:spPr/>
-        <p:txBody>
-          <a:bodyPr/>
-          <a:lstStyle/>
-          <a:p>
-            <a:r>
-              <a:rPr lang="en-US" altLang="zh-CN" dirty="0"/>
-              <a:t>18.4 </a:t>
-            </a:r>
-            <a:r>
-              <a:rPr lang="zh-CN" altLang="en-US" dirty="0"/>
-              <a:t>创建其他网页</a:t>
-            </a:r>
-          </a:p>
-        </p:txBody>
-      </p:sp>
     </p:spTree>
     <p:extLst>
       <p:ext uri="{BB962C8B-B14F-4D97-AF65-F5344CB8AC3E}">
@@ -12771,6 +13339,18 @@
   <p:clrMapOvr>
     <a:masterClrMapping/>
   </p:clrMapOvr>
+  <mc:AlternateContent xmlns:mc="http://schemas.openxmlformats.org/markup-compatibility/2006" xmlns:p14="http://schemas.microsoft.com/office/powerpoint/2010/main">
+    <mc:Choice Requires="p14">
+      <p:transition spd="med" p14:dur="700">
+        <p:fade/>
+      </p:transition>
+    </mc:Choice>
+    <mc:Fallback xmlns="">
+      <p:transition spd="med">
+        <p:fade/>
+      </p:transition>
+    </mc:Fallback>
+  </mc:AlternateContent>
 </p:sld>
 </file>
 
@@ -12868,6 +13448,18 @@
   <p:clrMapOvr>
     <a:masterClrMapping/>
   </p:clrMapOvr>
+  <mc:AlternateContent xmlns:mc="http://schemas.openxmlformats.org/markup-compatibility/2006" xmlns:p14="http://schemas.microsoft.com/office/powerpoint/2010/main">
+    <mc:Choice Requires="p14">
+      <p:transition spd="med" p14:dur="700">
+        <p:fade/>
+      </p:transition>
+    </mc:Choice>
+    <mc:Fallback xmlns="">
+      <p:transition spd="med">
+        <p:fade/>
+      </p:transition>
+    </mc:Fallback>
+  </mc:AlternateContent>
 </p:sld>
 </file>
 
@@ -13024,6 +13616,18 @@
   <p:clrMapOvr>
     <a:masterClrMapping/>
   </p:clrMapOvr>
+  <mc:AlternateContent xmlns:mc="http://schemas.openxmlformats.org/markup-compatibility/2006" xmlns:p14="http://schemas.microsoft.com/office/powerpoint/2010/main">
+    <mc:Choice Requires="p14">
+      <p:transition spd="med" p14:dur="700">
+        <p:fade/>
+      </p:transition>
+    </mc:Choice>
+    <mc:Fallback xmlns="">
+      <p:transition spd="med">
+        <p:fade/>
+      </p:transition>
+    </mc:Fallback>
+  </mc:AlternateContent>
 </p:sld>
 </file>
 
@@ -13194,6 +13798,18 @@
   <p:clrMapOvr>
     <a:masterClrMapping/>
   </p:clrMapOvr>
+  <mc:AlternateContent xmlns:mc="http://schemas.openxmlformats.org/markup-compatibility/2006" xmlns:p14="http://schemas.microsoft.com/office/powerpoint/2010/main">
+    <mc:Choice Requires="p14">
+      <p:transition spd="med" p14:dur="700">
+        <p:fade/>
+      </p:transition>
+    </mc:Choice>
+    <mc:Fallback xmlns="">
+      <p:transition spd="med">
+        <p:fade/>
+      </p:transition>
+    </mc:Fallback>
+  </mc:AlternateContent>
 </p:sld>
 </file>
 
@@ -13398,6 +14014,18 @@
   <p:clrMapOvr>
     <a:masterClrMapping/>
   </p:clrMapOvr>
+  <mc:AlternateContent xmlns:mc="http://schemas.openxmlformats.org/markup-compatibility/2006" xmlns:p14="http://schemas.microsoft.com/office/powerpoint/2010/main">
+    <mc:Choice Requires="p14">
+      <p:transition spd="med" p14:dur="700">
+        <p:fade/>
+      </p:transition>
+    </mc:Choice>
+    <mc:Fallback xmlns="">
+      <p:transition spd="med">
+        <p:fade/>
+      </p:transition>
+    </mc:Fallback>
+  </mc:AlternateContent>
 </p:sld>
 </file>
 
@@ -13426,6 +14054,50 @@
       </p:grpSpPr>
       <p:sp>
         <p:nvSpPr>
+          <p:cNvPr id="5" name="标题 4">
+            <a:extLst>
+              <a:ext uri="{FF2B5EF4-FFF2-40B4-BE49-F238E27FC236}">
+                <a16:creationId xmlns:a16="http://schemas.microsoft.com/office/drawing/2014/main" id="{A00A4FEA-9421-97E2-9CFE-47E08F40F4C9}"/>
+              </a:ext>
+            </a:extLst>
+          </p:cNvPr>
+          <p:cNvSpPr>
+            <a:spLocks noGrp="1"/>
+          </p:cNvSpPr>
+          <p:nvPr>
+            <p:ph type="title"/>
+          </p:nvPr>
+        </p:nvSpPr>
+        <p:spPr/>
+        <p:txBody>
+          <a:bodyPr/>
+          <a:lstStyle/>
+          <a:p>
+            <a:r>
+              <a:rPr lang="zh-CN" altLang="en-US" dirty="0"/>
+              <a:t>第</a:t>
+            </a:r>
+            <a:r>
+              <a:rPr lang="en-US" altLang="zh-CN" dirty="0"/>
+              <a:t>18 </a:t>
+            </a:r>
+            <a:r>
+              <a:rPr lang="zh-CN" altLang="en-US" dirty="0"/>
+              <a:t>章 </a:t>
+            </a:r>
+            <a:r>
+              <a:rPr lang="en-US" altLang="zh-CN" dirty="0"/>
+              <a:t>Django </a:t>
+            </a:r>
+            <a:r>
+              <a:rPr lang="zh-CN" altLang="en-US" dirty="0"/>
+              <a:t>入门</a:t>
+            </a:r>
+          </a:p>
+        </p:txBody>
+      </p:sp>
+      <p:sp>
+        <p:nvSpPr>
           <p:cNvPr id="3" name="内容占位符 2">
             <a:extLst>
               <a:ext uri="{FF2B5EF4-FFF2-40B4-BE49-F238E27FC236}">
@@ -13521,50 +14193,6 @@
               <a:t>这是一个在线日志系统。让你能够记录针对哪些特定主题学到了哪些知识。</a:t>
             </a:r>
             <a:endParaRPr lang="en-US" altLang="zh-CN" dirty="0"/>
-          </a:p>
-        </p:txBody>
-      </p:sp>
-      <p:sp>
-        <p:nvSpPr>
-          <p:cNvPr id="5" name="标题 4">
-            <a:extLst>
-              <a:ext uri="{FF2B5EF4-FFF2-40B4-BE49-F238E27FC236}">
-                <a16:creationId xmlns:a16="http://schemas.microsoft.com/office/drawing/2014/main" id="{A00A4FEA-9421-97E2-9CFE-47E08F40F4C9}"/>
-              </a:ext>
-            </a:extLst>
-          </p:cNvPr>
-          <p:cNvSpPr>
-            <a:spLocks noGrp="1"/>
-          </p:cNvSpPr>
-          <p:nvPr>
-            <p:ph type="title"/>
-          </p:nvPr>
-        </p:nvSpPr>
-        <p:spPr/>
-        <p:txBody>
-          <a:bodyPr/>
-          <a:lstStyle/>
-          <a:p>
-            <a:r>
-              <a:rPr lang="zh-CN" altLang="en-US" dirty="0"/>
-              <a:t>第</a:t>
-            </a:r>
-            <a:r>
-              <a:rPr lang="en-US" altLang="zh-CN" dirty="0"/>
-              <a:t>18 </a:t>
-            </a:r>
-            <a:r>
-              <a:rPr lang="zh-CN" altLang="en-US" dirty="0"/>
-              <a:t>章 </a:t>
-            </a:r>
-            <a:r>
-              <a:rPr lang="en-US" altLang="zh-CN" dirty="0"/>
-              <a:t>Django </a:t>
-            </a:r>
-            <a:r>
-              <a:rPr lang="zh-CN" altLang="en-US" dirty="0"/>
-              <a:t>入门</a:t>
-            </a:r>
           </a:p>
         </p:txBody>
       </p:sp>
@@ -13578,6 +14206,18 @@
   <p:clrMapOvr>
     <a:masterClrMapping/>
   </p:clrMapOvr>
+  <mc:AlternateContent xmlns:mc="http://schemas.openxmlformats.org/markup-compatibility/2006" xmlns:p14="http://schemas.microsoft.com/office/powerpoint/2010/main">
+    <mc:Choice Requires="p14">
+      <p:transition spd="med" p14:dur="700">
+        <p:fade/>
+      </p:transition>
+    </mc:Choice>
+    <mc:Fallback xmlns="">
+      <p:transition spd="med">
+        <p:fade/>
+      </p:transition>
+    </mc:Fallback>
+  </mc:AlternateContent>
 </p:sld>
 </file>
 
@@ -13606,6 +14246,38 @@
       </p:grpSpPr>
       <p:sp>
         <p:nvSpPr>
+          <p:cNvPr id="5" name="标题 4">
+            <a:extLst>
+              <a:ext uri="{FF2B5EF4-FFF2-40B4-BE49-F238E27FC236}">
+                <a16:creationId xmlns:a16="http://schemas.microsoft.com/office/drawing/2014/main" id="{DEDC98AF-AFAD-4BF6-3C4A-3EB24530A15F}"/>
+              </a:ext>
+            </a:extLst>
+          </p:cNvPr>
+          <p:cNvSpPr>
+            <a:spLocks noGrp="1"/>
+          </p:cNvSpPr>
+          <p:nvPr>
+            <p:ph type="title"/>
+          </p:nvPr>
+        </p:nvSpPr>
+        <p:spPr/>
+        <p:txBody>
+          <a:bodyPr/>
+          <a:lstStyle/>
+          <a:p>
+            <a:r>
+              <a:rPr lang="en-US" altLang="zh-CN" dirty="0"/>
+              <a:t>18.1 </a:t>
+            </a:r>
+            <a:r>
+              <a:rPr lang="zh-CN" altLang="en-US" dirty="0"/>
+              <a:t>建立项目</a:t>
+            </a:r>
+          </a:p>
+        </p:txBody>
+      </p:sp>
+      <p:sp>
+        <p:nvSpPr>
           <p:cNvPr id="3" name="内容占位符 2">
             <a:extLst>
               <a:ext uri="{FF2B5EF4-FFF2-40B4-BE49-F238E27FC236}">
@@ -13703,38 +14375,6 @@
               <a:t>项目框架。</a:t>
             </a:r>
             <a:endParaRPr lang="en-US" altLang="zh-CN" dirty="0"/>
-          </a:p>
-        </p:txBody>
-      </p:sp>
-      <p:sp>
-        <p:nvSpPr>
-          <p:cNvPr id="5" name="标题 4">
-            <a:extLst>
-              <a:ext uri="{FF2B5EF4-FFF2-40B4-BE49-F238E27FC236}">
-                <a16:creationId xmlns:a16="http://schemas.microsoft.com/office/drawing/2014/main" id="{DEDC98AF-AFAD-4BF6-3C4A-3EB24530A15F}"/>
-              </a:ext>
-            </a:extLst>
-          </p:cNvPr>
-          <p:cNvSpPr>
-            <a:spLocks noGrp="1"/>
-          </p:cNvSpPr>
-          <p:nvPr>
-            <p:ph type="title"/>
-          </p:nvPr>
-        </p:nvSpPr>
-        <p:spPr/>
-        <p:txBody>
-          <a:bodyPr/>
-          <a:lstStyle/>
-          <a:p>
-            <a:r>
-              <a:rPr lang="en-US" altLang="zh-CN" dirty="0"/>
-              <a:t>18.1 </a:t>
-            </a:r>
-            <a:r>
-              <a:rPr lang="zh-CN" altLang="en-US" dirty="0"/>
-              <a:t>建立项目</a:t>
-            </a:r>
           </a:p>
         </p:txBody>
       </p:sp>
@@ -13748,6 +14388,18 @@
   <p:clrMapOvr>
     <a:masterClrMapping/>
   </p:clrMapOvr>
+  <mc:AlternateContent xmlns:mc="http://schemas.openxmlformats.org/markup-compatibility/2006" xmlns:p14="http://schemas.microsoft.com/office/powerpoint/2010/main">
+    <mc:Choice Requires="p14">
+      <p:transition spd="med" p14:dur="700">
+        <p:fade/>
+      </p:transition>
+    </mc:Choice>
+    <mc:Fallback xmlns="">
+      <p:transition spd="med">
+        <p:fade/>
+      </p:transition>
+    </mc:Fallback>
+  </mc:AlternateContent>
 </p:sld>
 </file>
 
@@ -13776,6 +14428,38 @@
       </p:grpSpPr>
       <p:sp>
         <p:nvSpPr>
+          <p:cNvPr id="5" name="标题 4">
+            <a:extLst>
+              <a:ext uri="{FF2B5EF4-FFF2-40B4-BE49-F238E27FC236}">
+                <a16:creationId xmlns:a16="http://schemas.microsoft.com/office/drawing/2014/main" id="{460EDE06-23D7-81FE-67D9-A64E04B1936B}"/>
+              </a:ext>
+            </a:extLst>
+          </p:cNvPr>
+          <p:cNvSpPr>
+            <a:spLocks noGrp="1"/>
+          </p:cNvSpPr>
+          <p:nvPr>
+            <p:ph type="title"/>
+          </p:nvPr>
+        </p:nvSpPr>
+        <p:spPr/>
+        <p:txBody>
+          <a:bodyPr/>
+          <a:lstStyle/>
+          <a:p>
+            <a:r>
+              <a:rPr lang="en-US" altLang="zh-CN" dirty="0"/>
+              <a:t>18.1.1 </a:t>
+            </a:r>
+            <a:r>
+              <a:rPr lang="zh-CN" altLang="en-US" dirty="0"/>
+              <a:t>制定规范</a:t>
+            </a:r>
+          </a:p>
+        </p:txBody>
+      </p:sp>
+      <p:sp>
+        <p:nvSpPr>
           <p:cNvPr id="3" name="内容占位符 2">
             <a:extLst>
               <a:ext uri="{FF2B5EF4-FFF2-40B4-BE49-F238E27FC236}">
@@ -13882,38 +14566,6 @@
                 <a:srgbClr val="C0C0C0"/>
               </a:highlight>
             </a:endParaRPr>
-          </a:p>
-        </p:txBody>
-      </p:sp>
-      <p:sp>
-        <p:nvSpPr>
-          <p:cNvPr id="5" name="标题 4">
-            <a:extLst>
-              <a:ext uri="{FF2B5EF4-FFF2-40B4-BE49-F238E27FC236}">
-                <a16:creationId xmlns:a16="http://schemas.microsoft.com/office/drawing/2014/main" id="{460EDE06-23D7-81FE-67D9-A64E04B1936B}"/>
-              </a:ext>
-            </a:extLst>
-          </p:cNvPr>
-          <p:cNvSpPr>
-            <a:spLocks noGrp="1"/>
-          </p:cNvSpPr>
-          <p:nvPr>
-            <p:ph type="title"/>
-          </p:nvPr>
-        </p:nvSpPr>
-        <p:spPr/>
-        <p:txBody>
-          <a:bodyPr/>
-          <a:lstStyle/>
-          <a:p>
-            <a:r>
-              <a:rPr lang="en-US" altLang="zh-CN" dirty="0"/>
-              <a:t>18.1.1 </a:t>
-            </a:r>
-            <a:r>
-              <a:rPr lang="zh-CN" altLang="en-US" dirty="0"/>
-              <a:t>制定规范</a:t>
-            </a:r>
           </a:p>
         </p:txBody>
       </p:sp>
@@ -13927,6 +14579,18 @@
   <p:clrMapOvr>
     <a:masterClrMapping/>
   </p:clrMapOvr>
+  <mc:AlternateContent xmlns:mc="http://schemas.openxmlformats.org/markup-compatibility/2006" xmlns:p14="http://schemas.microsoft.com/office/powerpoint/2010/main">
+    <mc:Choice Requires="p14">
+      <p:transition spd="med" p14:dur="700">
+        <p:fade/>
+      </p:transition>
+    </mc:Choice>
+    <mc:Fallback xmlns="">
+      <p:transition spd="med">
+        <p:fade/>
+      </p:transition>
+    </mc:Fallback>
+  </mc:AlternateContent>
 </p:sld>
 </file>
 
@@ -13955,6 +14619,38 @@
       </p:grpSpPr>
       <p:sp>
         <p:nvSpPr>
+          <p:cNvPr id="5" name="标题 4">
+            <a:extLst>
+              <a:ext uri="{FF2B5EF4-FFF2-40B4-BE49-F238E27FC236}">
+                <a16:creationId xmlns:a16="http://schemas.microsoft.com/office/drawing/2014/main" id="{BD539006-B878-D7A6-4759-087857250919}"/>
+              </a:ext>
+            </a:extLst>
+          </p:cNvPr>
+          <p:cNvSpPr>
+            <a:spLocks noGrp="1"/>
+          </p:cNvSpPr>
+          <p:nvPr>
+            <p:ph type="title"/>
+          </p:nvPr>
+        </p:nvSpPr>
+        <p:spPr/>
+        <p:txBody>
+          <a:bodyPr/>
+          <a:lstStyle/>
+          <a:p>
+            <a:r>
+              <a:rPr lang="en-US" altLang="zh-CN" dirty="0"/>
+              <a:t>18.1.2 </a:t>
+            </a:r>
+            <a:r>
+              <a:rPr lang="zh-CN" altLang="en-US" dirty="0"/>
+              <a:t>建立虚拟环境</a:t>
+            </a:r>
+          </a:p>
+        </p:txBody>
+      </p:sp>
+      <p:sp>
+        <p:nvSpPr>
           <p:cNvPr id="3" name="内容占位符 2">
             <a:extLst>
               <a:ext uri="{FF2B5EF4-FFF2-40B4-BE49-F238E27FC236}">
@@ -14071,38 +14767,6 @@
             <a:r>
               <a:rPr lang="en-US" altLang="zh-CN" dirty="0"/>
               <a:t> </a:t>
-            </a:r>
-          </a:p>
-        </p:txBody>
-      </p:sp>
-      <p:sp>
-        <p:nvSpPr>
-          <p:cNvPr id="5" name="标题 4">
-            <a:extLst>
-              <a:ext uri="{FF2B5EF4-FFF2-40B4-BE49-F238E27FC236}">
-                <a16:creationId xmlns:a16="http://schemas.microsoft.com/office/drawing/2014/main" id="{BD539006-B878-D7A6-4759-087857250919}"/>
-              </a:ext>
-            </a:extLst>
-          </p:cNvPr>
-          <p:cNvSpPr>
-            <a:spLocks noGrp="1"/>
-          </p:cNvSpPr>
-          <p:nvPr>
-            <p:ph type="title"/>
-          </p:nvPr>
-        </p:nvSpPr>
-        <p:spPr/>
-        <p:txBody>
-          <a:bodyPr/>
-          <a:lstStyle/>
-          <a:p>
-            <a:r>
-              <a:rPr lang="en-US" altLang="zh-CN" dirty="0"/>
-              <a:t>18.1.2 </a:t>
-            </a:r>
-            <a:r>
-              <a:rPr lang="zh-CN" altLang="en-US" dirty="0"/>
-              <a:t>建立虚拟环境</a:t>
             </a:r>
           </a:p>
         </p:txBody>
@@ -14117,6 +14781,18 @@
   <p:clrMapOvr>
     <a:masterClrMapping/>
   </p:clrMapOvr>
+  <mc:AlternateContent xmlns:mc="http://schemas.openxmlformats.org/markup-compatibility/2006" xmlns:p14="http://schemas.microsoft.com/office/powerpoint/2010/main">
+    <mc:Choice Requires="p14">
+      <p:transition spd="med" p14:dur="700">
+        <p:fade/>
+      </p:transition>
+    </mc:Choice>
+    <mc:Fallback xmlns="">
+      <p:transition spd="med">
+        <p:fade/>
+      </p:transition>
+    </mc:Fallback>
+  </mc:AlternateContent>
 </p:sld>
 </file>
 
@@ -14145,6 +14821,38 @@
       </p:grpSpPr>
       <p:sp>
         <p:nvSpPr>
+          <p:cNvPr id="5" name="标题 4">
+            <a:extLst>
+              <a:ext uri="{FF2B5EF4-FFF2-40B4-BE49-F238E27FC236}">
+                <a16:creationId xmlns:a16="http://schemas.microsoft.com/office/drawing/2014/main" id="{43592009-5897-4832-2600-5BB8AC4E40D9}"/>
+              </a:ext>
+            </a:extLst>
+          </p:cNvPr>
+          <p:cNvSpPr>
+            <a:spLocks noGrp="1"/>
+          </p:cNvSpPr>
+          <p:nvPr>
+            <p:ph type="title"/>
+          </p:nvPr>
+        </p:nvSpPr>
+        <p:spPr/>
+        <p:txBody>
+          <a:bodyPr/>
+          <a:lstStyle/>
+          <a:p>
+            <a:r>
+              <a:rPr lang="en-US" altLang="zh-CN" dirty="0"/>
+              <a:t>18.1.3 </a:t>
+            </a:r>
+            <a:r>
+              <a:rPr lang="zh-CN" altLang="en-US" dirty="0"/>
+              <a:t>建立虚拟环境</a:t>
+            </a:r>
+          </a:p>
+        </p:txBody>
+      </p:sp>
+      <p:sp>
+        <p:nvSpPr>
           <p:cNvPr id="3" name="内容占位符 2">
             <a:extLst>
               <a:ext uri="{FF2B5EF4-FFF2-40B4-BE49-F238E27FC236}">
@@ -14289,38 +14997,6 @@
               <a:t>当然若关闭运行虚拟环境的终端，虚拟环境也将不再处于活动状态。</a:t>
             </a:r>
             <a:endParaRPr lang="en-US" altLang="zh-CN" dirty="0"/>
-          </a:p>
-        </p:txBody>
-      </p:sp>
-      <p:sp>
-        <p:nvSpPr>
-          <p:cNvPr id="5" name="标题 4">
-            <a:extLst>
-              <a:ext uri="{FF2B5EF4-FFF2-40B4-BE49-F238E27FC236}">
-                <a16:creationId xmlns:a16="http://schemas.microsoft.com/office/drawing/2014/main" id="{43592009-5897-4832-2600-5BB8AC4E40D9}"/>
-              </a:ext>
-            </a:extLst>
-          </p:cNvPr>
-          <p:cNvSpPr>
-            <a:spLocks noGrp="1"/>
-          </p:cNvSpPr>
-          <p:nvPr>
-            <p:ph type="title"/>
-          </p:nvPr>
-        </p:nvSpPr>
-        <p:spPr/>
-        <p:txBody>
-          <a:bodyPr/>
-          <a:lstStyle/>
-          <a:p>
-            <a:r>
-              <a:rPr lang="en-US" altLang="zh-CN" dirty="0"/>
-              <a:t>18.1.3 </a:t>
-            </a:r>
-            <a:r>
-              <a:rPr lang="zh-CN" altLang="en-US" dirty="0"/>
-              <a:t>建立虚拟环境</a:t>
-            </a:r>
           </a:p>
         </p:txBody>
       </p:sp>
@@ -14334,6 +15010,18 @@
   <p:clrMapOvr>
     <a:masterClrMapping/>
   </p:clrMapOvr>
+  <mc:AlternateContent xmlns:mc="http://schemas.openxmlformats.org/markup-compatibility/2006" xmlns:p14="http://schemas.microsoft.com/office/powerpoint/2010/main">
+    <mc:Choice Requires="p14">
+      <p:transition spd="med" p14:dur="700">
+        <p:fade/>
+      </p:transition>
+    </mc:Choice>
+    <mc:Fallback xmlns="">
+      <p:transition spd="med">
+        <p:fade/>
+      </p:transition>
+    </mc:Fallback>
+  </mc:AlternateContent>
 </p:sld>
 </file>
 
@@ -14362,6 +15050,43 @@
       </p:grpSpPr>
       <p:sp>
         <p:nvSpPr>
+          <p:cNvPr id="5" name="标题 4">
+            <a:extLst>
+              <a:ext uri="{FF2B5EF4-FFF2-40B4-BE49-F238E27FC236}">
+                <a16:creationId xmlns:a16="http://schemas.microsoft.com/office/drawing/2014/main" id="{B7E9A38F-168D-6062-805A-F7C1C8AE0800}"/>
+              </a:ext>
+            </a:extLst>
+          </p:cNvPr>
+          <p:cNvSpPr>
+            <a:spLocks noGrp="1"/>
+          </p:cNvSpPr>
+          <p:nvPr>
+            <p:ph type="title"/>
+          </p:nvPr>
+        </p:nvSpPr>
+        <p:spPr/>
+        <p:txBody>
+          <a:bodyPr/>
+          <a:lstStyle/>
+          <a:p>
+            <a:r>
+              <a:rPr lang="en-US" altLang="zh-CN" dirty="0"/>
+              <a:t>18.1.4 </a:t>
+            </a:r>
+            <a:r>
+              <a:rPr lang="zh-CN" altLang="en-US" dirty="0"/>
+              <a:t>安装 </a:t>
+            </a:r>
+            <a:r>
+              <a:rPr lang="en-US" altLang="zh-CN" dirty="0"/>
+              <a:t>Django</a:t>
+            </a:r>
+            <a:endParaRPr lang="zh-CN" altLang="en-US" dirty="0"/>
+          </a:p>
+        </p:txBody>
+      </p:sp>
+      <p:sp>
+        <p:nvSpPr>
           <p:cNvPr id="3" name="内容占位符 2">
             <a:extLst>
               <a:ext uri="{FF2B5EF4-FFF2-40B4-BE49-F238E27FC236}">
@@ -14615,43 +15340,6 @@
           </a:p>
         </p:txBody>
       </p:sp>
-      <p:sp>
-        <p:nvSpPr>
-          <p:cNvPr id="5" name="标题 4">
-            <a:extLst>
-              <a:ext uri="{FF2B5EF4-FFF2-40B4-BE49-F238E27FC236}">
-                <a16:creationId xmlns:a16="http://schemas.microsoft.com/office/drawing/2014/main" id="{B7E9A38F-168D-6062-805A-F7C1C8AE0800}"/>
-              </a:ext>
-            </a:extLst>
-          </p:cNvPr>
-          <p:cNvSpPr>
-            <a:spLocks noGrp="1"/>
-          </p:cNvSpPr>
-          <p:nvPr>
-            <p:ph type="title"/>
-          </p:nvPr>
-        </p:nvSpPr>
-        <p:spPr/>
-        <p:txBody>
-          <a:bodyPr/>
-          <a:lstStyle/>
-          <a:p>
-            <a:r>
-              <a:rPr lang="en-US" altLang="zh-CN" dirty="0"/>
-              <a:t>18.1.4 </a:t>
-            </a:r>
-            <a:r>
-              <a:rPr lang="zh-CN" altLang="en-US" dirty="0"/>
-              <a:t>安装 </a:t>
-            </a:r>
-            <a:r>
-              <a:rPr lang="en-US" altLang="zh-CN" dirty="0"/>
-              <a:t>Django</a:t>
-            </a:r>
-            <a:endParaRPr lang="zh-CN" altLang="en-US" dirty="0"/>
-          </a:p>
-        </p:txBody>
-      </p:sp>
     </p:spTree>
     <p:extLst>
       <p:ext uri="{BB962C8B-B14F-4D97-AF65-F5344CB8AC3E}">
@@ -14662,11 +15350,23 @@
   <p:clrMapOvr>
     <a:masterClrMapping/>
   </p:clrMapOvr>
+  <mc:AlternateContent xmlns:mc="http://schemas.openxmlformats.org/markup-compatibility/2006" xmlns:p14="http://schemas.microsoft.com/office/powerpoint/2010/main">
+    <mc:Choice Requires="p14">
+      <p:transition spd="med" p14:dur="700">
+        <p:fade/>
+      </p:transition>
+    </mc:Choice>
+    <mc:Fallback xmlns="">
+      <p:transition spd="med">
+        <p:fade/>
+      </p:transition>
+    </mc:Fallback>
+  </mc:AlternateContent>
 </p:sld>
 </file>
 
 <file path=ppt/theme/theme1.xml><?xml version="1.0" encoding="utf-8"?>
-<a:theme xmlns:a="http://schemas.openxmlformats.org/drawingml/2006/main" name="Office 主题​​">
+<a:theme xmlns:a="http://schemas.openxmlformats.org/drawingml/2006/main" name="3_Office 主题​​">
   <a:themeElements>
     <a:clrScheme name="Office">
       <a:dk1>
